--- a/Hamburg-Staatsoper/Programm-Puccini/Il trittico (2024.01.26)/Il trittico.pptx
+++ b/Hamburg-Staatsoper/Programm-Puccini/Il trittico (2024.01.26)/Il trittico.pptx
@@ -5,7 +5,7 @@
     <p:sldMasterId id="2147483660" r:id="rId1"/>
   </p:sldMasterIdLst>
   <p:notesMasterIdLst>
-    <p:notesMasterId r:id="rId7"/>
+    <p:notesMasterId r:id="rId8"/>
   </p:notesMasterIdLst>
   <p:sldIdLst>
     <p:sldId id="408" r:id="rId2"/>
@@ -13,6 +13,7 @@
     <p:sldId id="481" r:id="rId4"/>
     <p:sldId id="482" r:id="rId5"/>
     <p:sldId id="483" r:id="rId6"/>
+    <p:sldId id="484" r:id="rId7"/>
   </p:sldIdLst>
   <p:sldSz cx="9906000" cy="6858000" type="A4"/>
   <p:notesSz cx="6797675" cy="9926638"/>
@@ -121,6 +122,7 @@
             <p14:sldId id="481"/>
             <p14:sldId id="482"/>
             <p14:sldId id="483"/>
+            <p14:sldId id="484"/>
           </p14:sldIdLst>
         </p14:section>
       </p14:sectionLst>
@@ -225,7 +227,7 @@
           <a:p>
             <a:fld id="{1E980196-448A-481A-8A1B-A58FF56D8844}" type="datetimeFigureOut">
               <a:rPr lang="en-US" smtClean="0"/>
-              <a:t>10/8/23</a:t>
+              <a:t>2/11/24</a:t>
             </a:fld>
             <a:endParaRPr lang="en-US"/>
           </a:p>
@@ -624,7 +626,7 @@
           <a:p>
             <a:fld id="{F63CEDD3-0525-4453-AC94-ABA547278219}" type="datetimeFigureOut">
               <a:rPr lang="en-US" smtClean="0"/>
-              <a:t>10/8/23</a:t>
+              <a:t>2/11/24</a:t>
             </a:fld>
             <a:endParaRPr lang="en-US"/>
           </a:p>
@@ -794,7 +796,7 @@
           <a:p>
             <a:fld id="{F63CEDD3-0525-4453-AC94-ABA547278219}" type="datetimeFigureOut">
               <a:rPr lang="en-US" smtClean="0"/>
-              <a:t>10/8/23</a:t>
+              <a:t>2/11/24</a:t>
             </a:fld>
             <a:endParaRPr lang="en-US"/>
           </a:p>
@@ -974,7 +976,7 @@
           <a:p>
             <a:fld id="{F63CEDD3-0525-4453-AC94-ABA547278219}" type="datetimeFigureOut">
               <a:rPr lang="en-US" smtClean="0"/>
-              <a:t>10/8/23</a:t>
+              <a:t>2/11/24</a:t>
             </a:fld>
             <a:endParaRPr lang="en-US"/>
           </a:p>
@@ -1144,7 +1146,7 @@
           <a:p>
             <a:fld id="{F63CEDD3-0525-4453-AC94-ABA547278219}" type="datetimeFigureOut">
               <a:rPr lang="en-US" smtClean="0"/>
-              <a:t>10/8/23</a:t>
+              <a:t>2/11/24</a:t>
             </a:fld>
             <a:endParaRPr lang="en-US"/>
           </a:p>
@@ -1388,7 +1390,7 @@
           <a:p>
             <a:fld id="{F63CEDD3-0525-4453-AC94-ABA547278219}" type="datetimeFigureOut">
               <a:rPr lang="en-US" smtClean="0"/>
-              <a:t>10/8/23</a:t>
+              <a:t>2/11/24</a:t>
             </a:fld>
             <a:endParaRPr lang="en-US"/>
           </a:p>
@@ -1620,7 +1622,7 @@
           <a:p>
             <a:fld id="{F63CEDD3-0525-4453-AC94-ABA547278219}" type="datetimeFigureOut">
               <a:rPr lang="en-US" smtClean="0"/>
-              <a:t>10/8/23</a:t>
+              <a:t>2/11/24</a:t>
             </a:fld>
             <a:endParaRPr lang="en-US"/>
           </a:p>
@@ -1987,7 +1989,7 @@
           <a:p>
             <a:fld id="{F63CEDD3-0525-4453-AC94-ABA547278219}" type="datetimeFigureOut">
               <a:rPr lang="en-US" smtClean="0"/>
-              <a:t>10/8/23</a:t>
+              <a:t>2/11/24</a:t>
             </a:fld>
             <a:endParaRPr lang="en-US"/>
           </a:p>
@@ -2105,7 +2107,7 @@
           <a:p>
             <a:fld id="{F63CEDD3-0525-4453-AC94-ABA547278219}" type="datetimeFigureOut">
               <a:rPr lang="en-US" smtClean="0"/>
-              <a:t>10/8/23</a:t>
+              <a:t>2/11/24</a:t>
             </a:fld>
             <a:endParaRPr lang="en-US"/>
           </a:p>
@@ -2200,7 +2202,7 @@
           <a:p>
             <a:fld id="{F63CEDD3-0525-4453-AC94-ABA547278219}" type="datetimeFigureOut">
               <a:rPr lang="en-US" smtClean="0"/>
-              <a:t>10/8/23</a:t>
+              <a:t>2/11/24</a:t>
             </a:fld>
             <a:endParaRPr lang="en-US"/>
           </a:p>
@@ -2477,7 +2479,7 @@
           <a:p>
             <a:fld id="{F63CEDD3-0525-4453-AC94-ABA547278219}" type="datetimeFigureOut">
               <a:rPr lang="en-US" smtClean="0"/>
-              <a:t>10/8/23</a:t>
+              <a:t>2/11/24</a:t>
             </a:fld>
             <a:endParaRPr lang="en-US"/>
           </a:p>
@@ -2734,7 +2736,7 @@
           <a:p>
             <a:fld id="{F63CEDD3-0525-4453-AC94-ABA547278219}" type="datetimeFigureOut">
               <a:rPr lang="en-US" smtClean="0"/>
-              <a:t>10/8/23</a:t>
+              <a:t>2/11/24</a:t>
             </a:fld>
             <a:endParaRPr lang="en-US"/>
           </a:p>
@@ -2947,7 +2949,7 @@
           <a:p>
             <a:fld id="{F63CEDD3-0525-4453-AC94-ABA547278219}" type="datetimeFigureOut">
               <a:rPr lang="en-US" smtClean="0"/>
-              <a:t>10/8/23</a:t>
+              <a:t>2/11/24</a:t>
             </a:fld>
             <a:endParaRPr lang="en-US"/>
           </a:p>
@@ -13519,6 +13521,2244 @@
     <p:extLst>
       <p:ext uri="{BB962C8B-B14F-4D97-AF65-F5344CB8AC3E}">
         <p14:creationId xmlns:p14="http://schemas.microsoft.com/office/powerpoint/2010/main" val="1094092264"/>
+      </p:ext>
+    </p:extLst>
+  </p:cSld>
+  <p:clrMapOvr>
+    <a:masterClrMapping/>
+  </p:clrMapOvr>
+</p:sld>
+</file>
+
+<file path=ppt/slides/slide6.xml><?xml version="1.0" encoding="utf-8"?>
+<p:sld xmlns:a="http://schemas.openxmlformats.org/drawingml/2006/main" xmlns:r="http://schemas.openxmlformats.org/officeDocument/2006/relationships" xmlns:p="http://schemas.openxmlformats.org/presentationml/2006/main">
+  <p:cSld>
+    <p:spTree>
+      <p:nvGrpSpPr>
+        <p:cNvPr id="1" name=""/>
+        <p:cNvGrpSpPr/>
+        <p:nvPr/>
+      </p:nvGrpSpPr>
+      <p:grpSpPr>
+        <a:xfrm>
+          <a:off x="0" y="0"/>
+          <a:ext cx="0" cy="0"/>
+          <a:chOff x="0" y="0"/>
+          <a:chExt cx="0" cy="0"/>
+        </a:xfrm>
+      </p:grpSpPr>
+      <p:sp>
+        <p:nvSpPr>
+          <p:cNvPr id="2" name="TextBox 1">
+            <a:extLst>
+              <a:ext uri="{FF2B5EF4-FFF2-40B4-BE49-F238E27FC236}">
+                <a16:creationId xmlns:a16="http://schemas.microsoft.com/office/drawing/2014/main" id="{4CB33422-82C2-D27F-236A-180B87D02B15}"/>
+              </a:ext>
+            </a:extLst>
+          </p:cNvPr>
+          <p:cNvSpPr txBox="1"/>
+          <p:nvPr/>
+        </p:nvSpPr>
+        <p:spPr>
+          <a:xfrm>
+            <a:off x="0" y="0"/>
+            <a:ext cx="4721087" cy="6863417"/>
+          </a:xfrm>
+          <a:prstGeom prst="rect">
+            <a:avLst/>
+          </a:prstGeom>
+          <a:noFill/>
+        </p:spPr>
+        <p:txBody>
+          <a:bodyPr wrap="square">
+            <a:spAutoFit/>
+          </a:bodyPr>
+          <a:lstStyle/>
+          <a:p>
+            <a:r>
+              <a:rPr lang="zh-CN" altLang="en-US" sz="800" dirty="0">
+                <a:effectLst/>
+                <a:latin typeface="Helvetica Neue" panose="02000503000000020004" pitchFamily="2" charset="0"/>
+              </a:rPr>
+              <a:t>三个截然不同的故事：借用但丁</a:t>
+            </a:r>
+            <a:r>
+              <a:rPr lang="en-US" altLang="zh-CN" sz="800" dirty="0">
+                <a:effectLst/>
+                <a:latin typeface="Helvetica Neue" panose="02000503000000020004" pitchFamily="2" charset="0"/>
+              </a:rPr>
+              <a:t>《</a:t>
+            </a:r>
+            <a:r>
+              <a:rPr lang="zh-CN" altLang="en-US" sz="800" dirty="0">
+                <a:effectLst/>
+                <a:latin typeface="Helvetica Neue" panose="02000503000000020004" pitchFamily="2" charset="0"/>
+              </a:rPr>
+              <a:t>神曲</a:t>
+            </a:r>
+            <a:r>
+              <a:rPr lang="en-US" altLang="zh-CN" sz="800" dirty="0">
+                <a:effectLst/>
+                <a:latin typeface="Helvetica Neue" panose="02000503000000020004" pitchFamily="2" charset="0"/>
+              </a:rPr>
+              <a:t>》</a:t>
+            </a:r>
+            <a:r>
+              <a:rPr lang="zh-CN" altLang="en-US" sz="800" dirty="0">
+                <a:effectLst/>
+                <a:latin typeface="Helvetica Neue" panose="02000503000000020004" pitchFamily="2" charset="0"/>
+              </a:rPr>
+              <a:t>的一部 </a:t>
+            </a:r>
+            <a:r>
+              <a:rPr lang="en-US" altLang="zh-CN" sz="800" dirty="0">
+                <a:effectLst/>
+                <a:latin typeface="Helvetica Neue" panose="02000503000000020004" pitchFamily="2" charset="0"/>
+              </a:rPr>
+              <a:t>13 </a:t>
+            </a:r>
+            <a:r>
+              <a:rPr lang="zh-CN" altLang="en-US" sz="800" dirty="0">
+                <a:effectLst/>
+                <a:latin typeface="Helvetica Neue" panose="02000503000000020004" pitchFamily="2" charset="0"/>
+              </a:rPr>
+              <a:t>世纪佛罗伦萨继承遗产猎人的喜剧，一部发生在巴黎小资产阶级环境中的嫉妒剧，最后是一个年轻女子被骗的悲剧生活和她的孩子。尽管存在如此多的对比，这三部作品仍然围绕着关于爱、关于真理、关于自己自主生活的机会的永恒问题。尽管出版商朱利奥</a:t>
+            </a:r>
+            <a:r>
+              <a:rPr lang="en-US" altLang="zh-CN" sz="800" dirty="0">
+                <a:effectLst/>
+                <a:latin typeface="Helvetica Neue" panose="02000503000000020004" pitchFamily="2" charset="0"/>
+              </a:rPr>
+              <a:t>·</a:t>
+            </a:r>
+            <a:r>
+              <a:rPr lang="zh-CN" altLang="en-US" sz="800" dirty="0">
+                <a:effectLst/>
+                <a:latin typeface="Helvetica Neue" panose="02000503000000020004" pitchFamily="2" charset="0"/>
+              </a:rPr>
+              <a:t>里科迪极力反对，普契尼多年来一直无法推进他的音乐三联曲计划，直到他去世后，作曲家才敢于尝试将三部独幕剧合并成一个歌剧晚会；对新事物的渴望也是音乐的特征。船舶警报器、发动机喇叭和走调的风琴研磨机在 </a:t>
+            </a:r>
+            <a:r>
+              <a:rPr lang="en-GB" sz="800" dirty="0">
+                <a:effectLst/>
+                <a:latin typeface="Helvetica Neue" panose="02000503000000020004" pitchFamily="2" charset="0"/>
+              </a:rPr>
+              <a:t>Il </a:t>
+            </a:r>
+            <a:r>
+              <a:rPr lang="en-GB" sz="800" dirty="0" err="1">
+                <a:effectLst/>
+                <a:latin typeface="Helvetica Neue" panose="02000503000000020004" pitchFamily="2" charset="0"/>
+              </a:rPr>
+              <a:t>tabarro</a:t>
+            </a:r>
+            <a:r>
+              <a:rPr lang="en-GB" sz="800" dirty="0">
+                <a:effectLst/>
+                <a:latin typeface="Helvetica Neue" panose="02000503000000020004" pitchFamily="2" charset="0"/>
+              </a:rPr>
+              <a:t> </a:t>
+            </a:r>
+            <a:r>
+              <a:rPr lang="zh-CN" altLang="en-US" sz="800" dirty="0">
+                <a:effectLst/>
+                <a:latin typeface="Helvetica Neue" panose="02000503000000020004" pitchFamily="2" charset="0"/>
+              </a:rPr>
+              <a:t>中进行了大气拼贴。不和谐音和现代舞节奏渗透到詹尼</a:t>
+            </a:r>
+            <a:r>
+              <a:rPr lang="en-US" altLang="zh-CN" sz="800" dirty="0">
+                <a:effectLst/>
+                <a:latin typeface="Helvetica Neue" panose="02000503000000020004" pitchFamily="2" charset="0"/>
+              </a:rPr>
+              <a:t>·</a:t>
+            </a:r>
+            <a:r>
+              <a:rPr lang="zh-CN" altLang="en-US" sz="800" dirty="0">
+                <a:effectLst/>
+                <a:latin typeface="Helvetica Neue" panose="02000503000000020004" pitchFamily="2" charset="0"/>
+              </a:rPr>
+              <a:t>斯基基 </a:t>
+            </a:r>
+            <a:r>
+              <a:rPr lang="en-US" altLang="zh-CN" sz="800" dirty="0">
+                <a:effectLst/>
+                <a:latin typeface="Helvetica Neue" panose="02000503000000020004" pitchFamily="2" charset="0"/>
+              </a:rPr>
+              <a:t>(</a:t>
+            </a:r>
+            <a:r>
+              <a:rPr lang="en-GB" sz="800" dirty="0">
+                <a:effectLst/>
+                <a:latin typeface="Helvetica Neue" panose="02000503000000020004" pitchFamily="2" charset="0"/>
+              </a:rPr>
+              <a:t>Gianni Schicchi) </a:t>
+            </a:r>
+            <a:r>
+              <a:rPr lang="zh-CN" altLang="en-US" sz="800" dirty="0">
+                <a:effectLst/>
+                <a:latin typeface="Helvetica Neue" panose="02000503000000020004" pitchFamily="2" charset="0"/>
+              </a:rPr>
+              <a:t>中。</a:t>
+            </a:r>
+            <a:r>
+              <a:rPr lang="en-US" altLang="zh-CN" sz="800" dirty="0">
+                <a:effectLst/>
+                <a:latin typeface="Helvetica Neue" panose="02000503000000020004" pitchFamily="2" charset="0"/>
+              </a:rPr>
+              <a:t>《</a:t>
+            </a:r>
+            <a:r>
+              <a:rPr lang="en-GB" sz="800" dirty="0" err="1">
+                <a:effectLst/>
+                <a:latin typeface="Helvetica Neue" panose="02000503000000020004" pitchFamily="2" charset="0"/>
+              </a:rPr>
+              <a:t>Suor</a:t>
+            </a:r>
+            <a:r>
+              <a:rPr lang="en-GB" sz="800" dirty="0">
+                <a:effectLst/>
+                <a:latin typeface="Helvetica Neue" panose="02000503000000020004" pitchFamily="2" charset="0"/>
+              </a:rPr>
+              <a:t> Angelica》</a:t>
+            </a:r>
+            <a:r>
+              <a:rPr lang="zh-CN" altLang="en-US" sz="800" dirty="0">
+                <a:effectLst/>
+                <a:latin typeface="Helvetica Neue" panose="02000503000000020004" pitchFamily="2" charset="0"/>
+              </a:rPr>
+              <a:t>的特点是只有女性声音</a:t>
+            </a:r>
+            <a:r>
+              <a:rPr lang="en-US" altLang="zh-CN" sz="800" dirty="0">
+                <a:effectLst/>
+                <a:latin typeface="Helvetica Neue" panose="02000503000000020004" pitchFamily="2" charset="0"/>
+              </a:rPr>
+              <a:t>——</a:t>
+            </a:r>
+            <a:r>
+              <a:rPr lang="zh-CN" altLang="en-US" sz="800" dirty="0">
+                <a:effectLst/>
+                <a:latin typeface="Helvetica Neue" panose="02000503000000020004" pitchFamily="2" charset="0"/>
+              </a:rPr>
+              <a:t>长期以来，这被认为是这部歌剧的一个缺点，而今天对我们来说似乎更具开创性。一位年轻母亲因偏执家庭的狭隘道德而被迫自杀的故事构成了我们新作品的结局。</a:t>
+            </a:r>
+            <a:r>
+              <a:rPr lang="en-US" altLang="zh-CN" sz="800" dirty="0">
+                <a:effectLst/>
+                <a:latin typeface="Helvetica Neue" panose="02000503000000020004" pitchFamily="2" charset="0"/>
+              </a:rPr>
+              <a:t>《</a:t>
+            </a:r>
+            <a:r>
+              <a:rPr lang="zh-CN" altLang="en-US" sz="800" dirty="0">
+                <a:effectLst/>
+                <a:latin typeface="Helvetica Neue" panose="02000503000000020004" pitchFamily="2" charset="0"/>
+              </a:rPr>
+              <a:t>歌剧</a:t>
+            </a:r>
+            <a:r>
+              <a:rPr lang="en-US" altLang="zh-CN" sz="800" dirty="0">
+                <a:effectLst/>
+                <a:latin typeface="Helvetica Neue" panose="02000503000000020004" pitchFamily="2" charset="0"/>
+              </a:rPr>
+              <a:t>》</a:t>
+            </a:r>
+            <a:r>
+              <a:rPr lang="zh-CN" altLang="en-US" sz="800" dirty="0">
+                <a:effectLst/>
+                <a:latin typeface="Helvetica Neue" panose="02000503000000020004" pitchFamily="2" charset="0"/>
+              </a:rPr>
+              <a:t>是普契尼最后完成的作品，是一部站在音乐现代性门槛上的戏剧实验。</a:t>
+            </a:r>
+          </a:p>
+          <a:p>
+            <a:endParaRPr lang="zh-CN" altLang="en-US" sz="800" dirty="0">
+              <a:effectLst/>
+              <a:latin typeface="Helvetica Neue" panose="02000503000000020004" pitchFamily="2" charset="0"/>
+            </a:endParaRPr>
+          </a:p>
+          <a:p>
+            <a:r>
+              <a:rPr lang="en-US" altLang="zh-CN" sz="800" dirty="0">
+                <a:effectLst/>
+                <a:latin typeface="Helvetica Neue" panose="02000503000000020004" pitchFamily="2" charset="0"/>
+              </a:rPr>
+              <a:t>《</a:t>
+            </a:r>
+            <a:r>
+              <a:rPr lang="en-GB" sz="800" dirty="0">
+                <a:effectLst/>
+                <a:latin typeface="Helvetica Neue" panose="02000503000000020004" pitchFamily="2" charset="0"/>
+              </a:rPr>
+              <a:t>Il </a:t>
+            </a:r>
+            <a:r>
+              <a:rPr lang="en-GB" sz="800" dirty="0" err="1">
+                <a:effectLst/>
+                <a:latin typeface="Helvetica Neue" panose="02000503000000020004" pitchFamily="2" charset="0"/>
+              </a:rPr>
+              <a:t>tabarro</a:t>
+            </a:r>
+            <a:r>
+              <a:rPr lang="en-GB" sz="800" dirty="0">
+                <a:effectLst/>
+                <a:latin typeface="Helvetica Neue" panose="02000503000000020004" pitchFamily="2" charset="0"/>
+              </a:rPr>
+              <a:t>》</a:t>
+            </a:r>
+            <a:r>
+              <a:rPr lang="zh-CN" altLang="en-US" sz="800" dirty="0">
+                <a:effectLst/>
+                <a:latin typeface="Helvetica Neue" panose="02000503000000020004" pitchFamily="2" charset="0"/>
+              </a:rPr>
+              <a:t>是普契尼的一部引人注目的歌剧，其深刻地描绘了时间的流逝、死亡的力量以及音乐所传达的情感。首演于</a:t>
+            </a:r>
+            <a:r>
+              <a:rPr lang="en-US" altLang="zh-CN" sz="800" dirty="0">
+                <a:effectLst/>
+                <a:latin typeface="Helvetica Neue" panose="02000503000000020004" pitchFamily="2" charset="0"/>
+              </a:rPr>
+              <a:t>1918</a:t>
+            </a:r>
+            <a:r>
+              <a:rPr lang="zh-CN" altLang="en-US" sz="800" dirty="0">
+                <a:effectLst/>
+                <a:latin typeface="Helvetica Neue" panose="02000503000000020004" pitchFamily="2" charset="0"/>
+              </a:rPr>
+              <a:t>年的纽约大都会歌剧院，这部作品由三个独立的独幕剧组成，但在戏剧结构上形成了潜在的统一性。</a:t>
+            </a:r>
+          </a:p>
+          <a:p>
+            <a:r>
+              <a:rPr lang="zh-CN" altLang="en-US" sz="800" dirty="0">
+                <a:effectLst/>
+                <a:latin typeface="Helvetica Neue" panose="02000503000000020004" pitchFamily="2" charset="0"/>
+              </a:rPr>
+              <a:t>普契尼构思了一种独特的剧作理念，即悲剧、感伤和喜剧的三重融合。他对剧本作者路易吉</a:t>
+            </a:r>
+            <a:r>
+              <a:rPr lang="en-US" altLang="zh-CN" sz="800" dirty="0">
+                <a:effectLst/>
+                <a:latin typeface="Helvetica Neue" panose="02000503000000020004" pitchFamily="2" charset="0"/>
+              </a:rPr>
+              <a:t>·</a:t>
+            </a:r>
+            <a:r>
+              <a:rPr lang="zh-CN" altLang="en-US" sz="800" dirty="0">
+                <a:effectLst/>
+                <a:latin typeface="Helvetica Neue" panose="02000503000000020004" pitchFamily="2" charset="0"/>
+              </a:rPr>
+              <a:t>伊利卡说：“我坚持使用三种颜色。”这种理念在</a:t>
+            </a:r>
+            <a:r>
+              <a:rPr lang="en-US" altLang="zh-CN" sz="800" dirty="0">
+                <a:effectLst/>
+                <a:latin typeface="Helvetica Neue" panose="02000503000000020004" pitchFamily="2" charset="0"/>
+              </a:rPr>
+              <a:t>《</a:t>
+            </a:r>
+            <a:r>
+              <a:rPr lang="en-GB" sz="800" dirty="0">
+                <a:effectLst/>
+                <a:latin typeface="Helvetica Neue" panose="02000503000000020004" pitchFamily="2" charset="0"/>
+              </a:rPr>
+              <a:t>Il </a:t>
+            </a:r>
+            <a:r>
+              <a:rPr lang="en-GB" sz="800" dirty="0" err="1">
+                <a:effectLst/>
+                <a:latin typeface="Helvetica Neue" panose="02000503000000020004" pitchFamily="2" charset="0"/>
+              </a:rPr>
+              <a:t>tabarro</a:t>
+            </a:r>
+            <a:r>
+              <a:rPr lang="en-GB" sz="800" dirty="0">
+                <a:effectLst/>
+                <a:latin typeface="Helvetica Neue" panose="02000503000000020004" pitchFamily="2" charset="0"/>
+              </a:rPr>
+              <a:t>》</a:t>
+            </a:r>
+            <a:r>
+              <a:rPr lang="zh-CN" altLang="en-US" sz="800" dirty="0">
+                <a:effectLst/>
+                <a:latin typeface="Helvetica Neue" panose="02000503000000020004" pitchFamily="2" charset="0"/>
+              </a:rPr>
+              <a:t>中得到了充分的体现。</a:t>
+            </a:r>
+          </a:p>
+          <a:p>
+            <a:r>
+              <a:rPr lang="zh-CN" altLang="en-US" sz="800" dirty="0">
+                <a:effectLst/>
+                <a:latin typeface="Helvetica Neue" panose="02000503000000020004" pitchFamily="2" charset="0"/>
+              </a:rPr>
+              <a:t>故事情节围绕着河船夫米歇尔、他年轻的妻子乔吉塔和她的情人路易吉展开。他们之间的嫉妒和背叛引发了致命的后果，而音乐则巧妙地将这些情感和戏剧性细节表现得淋漓尽致。普契尼运用各种音乐元素，如淬火者的饮酒之歌、管风琴研磨者的华尔兹等，将这些细节浓缩成音乐的象征空间。</a:t>
+            </a:r>
+          </a:p>
+          <a:p>
+            <a:r>
+              <a:rPr lang="zh-CN" altLang="en-US" sz="800" dirty="0">
+                <a:effectLst/>
+                <a:latin typeface="Helvetica Neue" panose="02000503000000020004" pitchFamily="2" charset="0"/>
+              </a:rPr>
+              <a:t>这部歌剧还展现了普契尼对现代音乐的深入理解和处理。他超越了传统和声的界限，展示了与德彪西、斯特拉文斯基等伟大作曲家相比的创新之处。</a:t>
+            </a:r>
+          </a:p>
+          <a:p>
+            <a:r>
+              <a:rPr lang="zh-CN" altLang="en-US" sz="800" dirty="0">
+                <a:effectLst/>
+                <a:latin typeface="Helvetica Neue" panose="02000503000000020004" pitchFamily="2" charset="0"/>
+              </a:rPr>
+              <a:t>整部作品充满了紧张和压抑的氛围，将观众带入了一种充满威胁和命运感的情感体验之中。米歇尔和乔吉塔之间的决定性对话被设置为音乐，强化了情感的表达和戏剧性的张力。</a:t>
+            </a:r>
+          </a:p>
+          <a:p>
+            <a:r>
+              <a:rPr lang="zh-CN" altLang="en-US" sz="800" dirty="0">
+                <a:effectLst/>
+                <a:latin typeface="Helvetica Neue" panose="02000503000000020004" pitchFamily="2" charset="0"/>
+              </a:rPr>
+              <a:t>在最后的结局中，普契尼巧妙地将爱、欲望、痛苦、暴力和死亡的主题达到了高潮，展现了他对音乐剧作品的独特见解和创作才华。</a:t>
+            </a:r>
+          </a:p>
+          <a:p>
+            <a:r>
+              <a:rPr lang="zh-CN" altLang="en-US" sz="800" dirty="0">
+                <a:effectLst/>
+                <a:latin typeface="Helvetica Neue" panose="02000503000000020004" pitchFamily="2" charset="0"/>
+              </a:rPr>
+              <a:t>总体而言，</a:t>
+            </a:r>
+            <a:r>
+              <a:rPr lang="en-US" altLang="zh-CN" sz="800" dirty="0">
+                <a:effectLst/>
+                <a:latin typeface="Helvetica Neue" panose="02000503000000020004" pitchFamily="2" charset="0"/>
+              </a:rPr>
+              <a:t>《</a:t>
+            </a:r>
+            <a:r>
+              <a:rPr lang="en-GB" sz="800" dirty="0">
+                <a:effectLst/>
+                <a:latin typeface="Helvetica Neue" panose="02000503000000020004" pitchFamily="2" charset="0"/>
+              </a:rPr>
+              <a:t>Il </a:t>
+            </a:r>
+            <a:r>
+              <a:rPr lang="en-GB" sz="800" dirty="0" err="1">
+                <a:effectLst/>
+                <a:latin typeface="Helvetica Neue" panose="02000503000000020004" pitchFamily="2" charset="0"/>
+              </a:rPr>
+              <a:t>tabarro</a:t>
+            </a:r>
+            <a:r>
+              <a:rPr lang="en-GB" sz="800" dirty="0">
+                <a:effectLst/>
+                <a:latin typeface="Helvetica Neue" panose="02000503000000020004" pitchFamily="2" charset="0"/>
+              </a:rPr>
+              <a:t>》</a:t>
+            </a:r>
+            <a:r>
+              <a:rPr lang="zh-CN" altLang="en-US" sz="800" dirty="0">
+                <a:effectLst/>
+                <a:latin typeface="Helvetica Neue" panose="02000503000000020004" pitchFamily="2" charset="0"/>
+              </a:rPr>
+              <a:t>展现了普契尼作为作曲家的深厚功底和对情感戏剧的精湛表达，使得这部作品在歌剧史上占据着重要的地位。</a:t>
+            </a:r>
+          </a:p>
+          <a:p>
+            <a:endParaRPr lang="zh-CN" altLang="en-US" sz="800" dirty="0">
+              <a:effectLst/>
+              <a:latin typeface="Helvetica Neue" panose="02000503000000020004" pitchFamily="2" charset="0"/>
+            </a:endParaRPr>
+          </a:p>
+          <a:p>
+            <a:r>
+              <a:rPr lang="en-US" altLang="zh-CN" sz="800" dirty="0">
+                <a:effectLst/>
+                <a:latin typeface="Helvetica Neue" panose="02000503000000020004" pitchFamily="2" charset="0"/>
+              </a:rPr>
+              <a:t>《</a:t>
+            </a:r>
+            <a:r>
+              <a:rPr lang="en-GB" sz="800" dirty="0" err="1">
+                <a:effectLst/>
+                <a:latin typeface="Helvetica Neue" panose="02000503000000020004" pitchFamily="2" charset="0"/>
+              </a:rPr>
+              <a:t>Suor</a:t>
+            </a:r>
+            <a:r>
+              <a:rPr lang="en-GB" sz="800" dirty="0">
+                <a:effectLst/>
+                <a:latin typeface="Helvetica Neue" panose="02000503000000020004" pitchFamily="2" charset="0"/>
+              </a:rPr>
+              <a:t> Angelica》</a:t>
+            </a:r>
+            <a:r>
+              <a:rPr lang="zh-CN" altLang="en-US" sz="800" dirty="0">
+                <a:effectLst/>
+                <a:latin typeface="Helvetica Neue" panose="02000503000000020004" pitchFamily="2" charset="0"/>
+              </a:rPr>
+              <a:t>引领我们进入一个与</a:t>
+            </a:r>
+            <a:r>
+              <a:rPr lang="en-US" altLang="zh-CN" sz="800" dirty="0">
+                <a:effectLst/>
+                <a:latin typeface="Helvetica Neue" panose="02000503000000020004" pitchFamily="2" charset="0"/>
+              </a:rPr>
+              <a:t>《</a:t>
+            </a:r>
+            <a:r>
+              <a:rPr lang="en-GB" sz="800" dirty="0">
+                <a:effectLst/>
+                <a:latin typeface="Helvetica Neue" panose="02000503000000020004" pitchFamily="2" charset="0"/>
+              </a:rPr>
+              <a:t>Il </a:t>
+            </a:r>
+            <a:r>
+              <a:rPr lang="en-GB" sz="800" dirty="0" err="1">
+                <a:effectLst/>
+                <a:latin typeface="Helvetica Neue" panose="02000503000000020004" pitchFamily="2" charset="0"/>
+              </a:rPr>
+              <a:t>tabarro</a:t>
+            </a:r>
+            <a:r>
+              <a:rPr lang="en-GB" sz="800" dirty="0">
+                <a:effectLst/>
+                <a:latin typeface="Helvetica Neue" panose="02000503000000020004" pitchFamily="2" charset="0"/>
+              </a:rPr>
+              <a:t>》</a:t>
+            </a:r>
+            <a:r>
+              <a:rPr lang="zh-CN" altLang="en-US" sz="800" dirty="0">
+                <a:effectLst/>
+                <a:latin typeface="Helvetica Neue" panose="02000503000000020004" pitchFamily="2" charset="0"/>
+              </a:rPr>
+              <a:t>截然不同的世界，尽管它在形式上看起来像是对前作的精确复制。在这里，我们进入了一个只有女性出现的修道院，男性声音只在舞台后方隐约传来，这与前作形成了鲜明对比。</a:t>
+            </a:r>
+          </a:p>
+          <a:p>
+            <a:r>
+              <a:rPr lang="zh-CN" altLang="en-US" sz="800" dirty="0">
+                <a:effectLst/>
+                <a:latin typeface="Helvetica Neue" panose="02000503000000020004" pitchFamily="2" charset="0"/>
+              </a:rPr>
+              <a:t>修道院内的时间仿佛停滞了，修女们每天重复着相同的仪式和祷告。普契尼巧妙地用音乐描绘了修道院的气氛，将其展现为一个充满了等级森严和压抑的地方，而不是感伤的田园诗。修女们的性格也被精确地刻画出来，从严厉的狂热者到温柔的善良者，再到固执和忙碌的人，每个人都展现了不同的特点。</a:t>
+            </a:r>
+          </a:p>
+          <a:p>
+            <a:r>
+              <a:rPr lang="zh-CN" altLang="en-US" sz="800" dirty="0">
+                <a:effectLst/>
+                <a:latin typeface="Helvetica Neue" panose="02000503000000020004" pitchFamily="2" charset="0"/>
+              </a:rPr>
+              <a:t>安吉丽卡作为这个强迫社区的一员，成为了姐妹们中的囚徒。她被贵族家族关进修道院，作为对生下私生子的惩罚。她的内心充满了对失去爱的痛苦和渴望死亡的向往。她的唯一未曾说出口的愿望是再次见到她的儿子，但她的姨妈的到访击碎了所有的希望，因为姨妈告诉她，孩子已经死了。</a:t>
+            </a:r>
+          </a:p>
+          <a:p>
+            <a:r>
+              <a:rPr lang="zh-CN" altLang="en-US" sz="800" dirty="0">
+                <a:effectLst/>
+                <a:latin typeface="Helvetica Neue" panose="02000503000000020004" pitchFamily="2" charset="0"/>
+              </a:rPr>
+              <a:t>与姨妈的对峙，就像斯卡皮亚和托斯卡之间的对决一样，两个不可调和的人格碰撞在一起，展现了爱和残酷的利己主义。姨妈的冷酷和无情，使得她成为普契尼作品中唯一具有戏剧性的中音角色，她的音乐充满了黑暗和阴郁。</a:t>
+            </a:r>
+          </a:p>
+          <a:p>
+            <a:r>
+              <a:rPr lang="zh-CN" altLang="en-US" sz="800" dirty="0">
+                <a:effectLst/>
+                <a:latin typeface="Helvetica Neue" panose="02000503000000020004" pitchFamily="2" charset="0"/>
+              </a:rPr>
+              <a:t>最终，安吉丽卡选择了自杀，喝下了毒药。她的死亡不是一种宗教奇迹，而是一种对宗教的噩梦般的探索，展现了她内心的狂喜和对失去爱的深深痛苦。</a:t>
+            </a:r>
+          </a:p>
+          <a:p>
+            <a:r>
+              <a:rPr lang="zh-CN" altLang="en-US" sz="800" dirty="0">
+                <a:effectLst/>
+                <a:latin typeface="Helvetica Neue" panose="02000503000000020004" pitchFamily="2" charset="0"/>
+              </a:rPr>
+              <a:t>普契尼在</a:t>
+            </a:r>
+            <a:r>
+              <a:rPr lang="en-US" altLang="zh-CN" sz="800" dirty="0">
+                <a:effectLst/>
+                <a:latin typeface="Helvetica Neue" panose="02000503000000020004" pitchFamily="2" charset="0"/>
+              </a:rPr>
+              <a:t>《</a:t>
+            </a:r>
+            <a:r>
+              <a:rPr lang="en-GB" sz="800" dirty="0" err="1">
+                <a:effectLst/>
+                <a:latin typeface="Helvetica Neue" panose="02000503000000020004" pitchFamily="2" charset="0"/>
+              </a:rPr>
+              <a:t>Suor</a:t>
+            </a:r>
+            <a:r>
+              <a:rPr lang="en-GB" sz="800" dirty="0">
+                <a:effectLst/>
+                <a:latin typeface="Helvetica Neue" panose="02000503000000020004" pitchFamily="2" charset="0"/>
+              </a:rPr>
+              <a:t> Angelica》</a:t>
+            </a:r>
+            <a:r>
+              <a:rPr lang="zh-CN" altLang="en-US" sz="800" dirty="0">
+                <a:effectLst/>
+                <a:latin typeface="Helvetica Neue" panose="02000503000000020004" pitchFamily="2" charset="0"/>
+              </a:rPr>
+              <a:t>中创造了一个充满心理细微的世界，将修道院的压抑和姨妈的残酷以及安吉丽卡内心的痛苦巧妙地展现在音乐中，使得这部作品成为他音乐剧作品中的一颗璀璨明珠。</a:t>
+            </a:r>
+            <a:br>
+              <a:rPr lang="zh-CN" altLang="en-US" sz="800" dirty="0">
+                <a:effectLst/>
+                <a:latin typeface="Helvetica Neue" panose="02000503000000020004" pitchFamily="2" charset="0"/>
+              </a:rPr>
+            </a:br>
+            <a:endParaRPr lang="zh-CN" altLang="en-US" sz="800" dirty="0">
+              <a:effectLst/>
+              <a:latin typeface="Helvetica Neue" panose="02000503000000020004" pitchFamily="2" charset="0"/>
+            </a:endParaRPr>
+          </a:p>
+          <a:p>
+            <a:r>
+              <a:rPr lang="zh-CN" altLang="en-US" sz="800" dirty="0">
+                <a:effectLst/>
+                <a:latin typeface="Helvetica Neue" panose="02000503000000020004" pitchFamily="2" charset="0"/>
+              </a:rPr>
+              <a:t>与威尔第作品中的福斯塔夫一样，</a:t>
+            </a:r>
+            <a:r>
+              <a:rPr lang="en-GB" sz="800" dirty="0">
+                <a:effectLst/>
+                <a:latin typeface="Helvetica Neue" panose="02000503000000020004" pitchFamily="2" charset="0"/>
+              </a:rPr>
+              <a:t>Gianni </a:t>
+            </a:r>
+            <a:r>
+              <a:rPr lang="en-GB" sz="800" dirty="0" err="1">
+                <a:effectLst/>
+                <a:latin typeface="Helvetica Neue" panose="02000503000000020004" pitchFamily="2" charset="0"/>
+              </a:rPr>
+              <a:t>Schichi</a:t>
+            </a:r>
+            <a:r>
+              <a:rPr lang="zh-CN" altLang="en-US" sz="800" dirty="0">
+                <a:effectLst/>
+                <a:latin typeface="Helvetica Neue" panose="02000503000000020004" pitchFamily="2" charset="0"/>
+              </a:rPr>
+              <a:t>也是普契尼作品中的一个孤独人物。尽管普契尼本人认为</a:t>
+            </a:r>
+            <a:r>
+              <a:rPr lang="en-US" altLang="zh-CN" sz="800" dirty="0">
+                <a:effectLst/>
+                <a:latin typeface="Helvetica Neue" panose="02000503000000020004" pitchFamily="2" charset="0"/>
+              </a:rPr>
+              <a:t>《</a:t>
+            </a:r>
+            <a:r>
+              <a:rPr lang="zh-CN" altLang="en-US" sz="800" dirty="0">
+                <a:effectLst/>
+                <a:latin typeface="Helvetica Neue" panose="02000503000000020004" pitchFamily="2" charset="0"/>
+              </a:rPr>
+              <a:t>修尔</a:t>
+            </a:r>
+            <a:r>
+              <a:rPr lang="en-US" altLang="zh-CN" sz="800" dirty="0">
+                <a:effectLst/>
+                <a:latin typeface="Helvetica Neue" panose="02000503000000020004" pitchFamily="2" charset="0"/>
+              </a:rPr>
+              <a:t>·</a:t>
+            </a:r>
+            <a:r>
+              <a:rPr lang="zh-CN" altLang="en-US" sz="800" dirty="0">
+                <a:effectLst/>
+                <a:latin typeface="Helvetica Neue" panose="02000503000000020004" pitchFamily="2" charset="0"/>
+              </a:rPr>
+              <a:t>安吉丽卡</a:t>
+            </a:r>
+            <a:r>
+              <a:rPr lang="en-US" altLang="zh-CN" sz="800" dirty="0">
+                <a:effectLst/>
+                <a:latin typeface="Helvetica Neue" panose="02000503000000020004" pitchFamily="2" charset="0"/>
+              </a:rPr>
+              <a:t>》</a:t>
+            </a:r>
+            <a:r>
+              <a:rPr lang="zh-CN" altLang="en-US" sz="800" dirty="0">
+                <a:effectLst/>
+                <a:latin typeface="Helvetica Neue" panose="02000503000000020004" pitchFamily="2" charset="0"/>
+              </a:rPr>
+              <a:t>是三部独幕剧中最好的一部，但观众的喜爱始终是由大流氓詹尼</a:t>
+            </a:r>
+            <a:r>
+              <a:rPr lang="en-US" altLang="zh-CN" sz="800" dirty="0">
+                <a:effectLst/>
+                <a:latin typeface="Helvetica Neue" panose="02000503000000020004" pitchFamily="2" charset="0"/>
+              </a:rPr>
+              <a:t>·</a:t>
+            </a:r>
+            <a:r>
+              <a:rPr lang="zh-CN" altLang="en-US" sz="800" dirty="0">
+                <a:effectLst/>
+                <a:latin typeface="Helvetica Neue" panose="02000503000000020004" pitchFamily="2" charset="0"/>
+              </a:rPr>
+              <a:t>斯基基（</a:t>
+            </a:r>
+            <a:r>
+              <a:rPr lang="en-GB" sz="800" dirty="0">
+                <a:effectLst/>
+                <a:latin typeface="Helvetica Neue" panose="02000503000000020004" pitchFamily="2" charset="0"/>
+              </a:rPr>
+              <a:t>Gianni Schicchi）</a:t>
+            </a:r>
+            <a:r>
+              <a:rPr lang="zh-CN" altLang="en-US" sz="800" dirty="0">
+                <a:effectLst/>
+                <a:latin typeface="Helvetica Neue" panose="02000503000000020004" pitchFamily="2" charset="0"/>
+              </a:rPr>
+              <a:t>创作的这部喜剧。这位历史人物于</a:t>
+            </a:r>
+            <a:r>
+              <a:rPr lang="en-US" altLang="zh-CN" sz="800" dirty="0">
+                <a:effectLst/>
+                <a:latin typeface="Helvetica Neue" panose="02000503000000020004" pitchFamily="2" charset="0"/>
+              </a:rPr>
+              <a:t>1299</a:t>
+            </a:r>
+            <a:r>
+              <a:rPr lang="zh-CN" altLang="en-US" sz="800" dirty="0">
+                <a:effectLst/>
+                <a:latin typeface="Helvetica Neue" panose="02000503000000020004" pitchFamily="2" charset="0"/>
+              </a:rPr>
+              <a:t>年在佛罗伦萨伪造了博索</a:t>
+            </a:r>
+            <a:r>
+              <a:rPr lang="en-US" altLang="zh-CN" sz="800" dirty="0">
+                <a:effectLst/>
+                <a:latin typeface="Helvetica Neue" panose="02000503000000020004" pitchFamily="2" charset="0"/>
+              </a:rPr>
+              <a:t>·</a:t>
+            </a:r>
+            <a:r>
+              <a:rPr lang="zh-CN" altLang="en-US" sz="800" dirty="0">
+                <a:effectLst/>
+                <a:latin typeface="Helvetica Neue" panose="02000503000000020004" pitchFamily="2" charset="0"/>
+              </a:rPr>
+              <a:t>多纳蒂的遗嘱，因此，但丁在他的</a:t>
+            </a:r>
+            <a:r>
+              <a:rPr lang="en-US" altLang="zh-CN" sz="800" dirty="0">
+                <a:effectLst/>
+                <a:latin typeface="Helvetica Neue" panose="02000503000000020004" pitchFamily="2" charset="0"/>
+              </a:rPr>
+              <a:t>《</a:t>
+            </a:r>
+            <a:r>
+              <a:rPr lang="zh-CN" altLang="en-US" sz="800" dirty="0">
+                <a:effectLst/>
+                <a:latin typeface="Helvetica Neue" panose="02000503000000020004" pitchFamily="2" charset="0"/>
+              </a:rPr>
+              <a:t>神曲</a:t>
+            </a:r>
+            <a:r>
+              <a:rPr lang="en-US" altLang="zh-CN" sz="800" dirty="0">
+                <a:effectLst/>
+                <a:latin typeface="Helvetica Neue" panose="02000503000000020004" pitchFamily="2" charset="0"/>
+              </a:rPr>
+              <a:t>》</a:t>
+            </a:r>
+            <a:r>
+              <a:rPr lang="zh-CN" altLang="en-US" sz="800" dirty="0">
+                <a:effectLst/>
+                <a:latin typeface="Helvetica Neue" panose="02000503000000020004" pitchFamily="2" charset="0"/>
+              </a:rPr>
+              <a:t>中让他在地狱中受苦，只在</a:t>
+            </a:r>
+            <a:r>
+              <a:rPr lang="en-US" altLang="zh-CN" sz="800" dirty="0">
+                <a:effectLst/>
+                <a:latin typeface="Helvetica Neue" panose="02000503000000020004" pitchFamily="2" charset="0"/>
+              </a:rPr>
+              <a:t>《</a:t>
+            </a:r>
+            <a:r>
+              <a:rPr lang="zh-CN" altLang="en-US" sz="800" dirty="0">
+                <a:effectLst/>
+                <a:latin typeface="Helvetica Neue" panose="02000503000000020004" pitchFamily="2" charset="0"/>
+              </a:rPr>
+              <a:t>地狱篇</a:t>
+            </a:r>
+            <a:r>
+              <a:rPr lang="en-US" altLang="zh-CN" sz="800" dirty="0">
+                <a:effectLst/>
+                <a:latin typeface="Helvetica Neue" panose="02000503000000020004" pitchFamily="2" charset="0"/>
+              </a:rPr>
+              <a:t>》</a:t>
+            </a:r>
+            <a:r>
+              <a:rPr lang="zh-CN" altLang="en-US" sz="800" dirty="0">
+                <a:effectLst/>
+                <a:latin typeface="Helvetica Neue" panose="02000503000000020004" pitchFamily="2" charset="0"/>
+              </a:rPr>
+              <a:t>第</a:t>
+            </a:r>
+            <a:r>
+              <a:rPr lang="en-US" altLang="zh-CN" sz="800" dirty="0">
+                <a:effectLst/>
+                <a:latin typeface="Helvetica Neue" panose="02000503000000020004" pitchFamily="2" charset="0"/>
+              </a:rPr>
+              <a:t>30</a:t>
+            </a:r>
+            <a:r>
+              <a:rPr lang="zh-CN" altLang="en-US" sz="800" dirty="0">
+                <a:effectLst/>
+                <a:latin typeface="Helvetica Neue" panose="02000503000000020004" pitchFamily="2" charset="0"/>
+              </a:rPr>
+              <a:t>章中给了他三分之一的时间。对于普契尼为音乐创作的在语言上最具原创性的剧本，福尔扎诺使用了另一个来源，即</a:t>
+            </a:r>
+            <a:r>
+              <a:rPr lang="en-US" altLang="zh-CN" sz="800" dirty="0">
+                <a:effectLst/>
+                <a:latin typeface="Helvetica Neue" panose="02000503000000020004" pitchFamily="2" charset="0"/>
+              </a:rPr>
+              <a:t>1866</a:t>
+            </a:r>
+            <a:r>
+              <a:rPr lang="zh-CN" altLang="en-US" sz="800" dirty="0">
+                <a:effectLst/>
+                <a:latin typeface="Helvetica Neue" panose="02000503000000020004" pitchFamily="2" charset="0"/>
+              </a:rPr>
+              <a:t>年出版的一位当代匿名人士对但丁的评论。然而，他发明了继承人群体，而这部剧的恐怖、讽刺幽默也是他的成分。</a:t>
+            </a:r>
+          </a:p>
+          <a:p>
+            <a:r>
+              <a:rPr lang="zh-CN" altLang="en-US" sz="800" dirty="0">
+                <a:effectLst/>
+                <a:latin typeface="Helvetica Neue" panose="02000503000000020004" pitchFamily="2" charset="0"/>
+              </a:rPr>
+              <a:t>与</a:t>
+            </a:r>
+            <a:r>
+              <a:rPr lang="en-US" altLang="zh-CN" sz="800" dirty="0">
+                <a:effectLst/>
+                <a:latin typeface="Helvetica Neue" panose="02000503000000020004" pitchFamily="2" charset="0"/>
+              </a:rPr>
+              <a:t>《</a:t>
+            </a:r>
+            <a:r>
+              <a:rPr lang="en-GB" sz="800" dirty="0">
+                <a:effectLst/>
+                <a:latin typeface="Helvetica Neue" panose="02000503000000020004" pitchFamily="2" charset="0"/>
+              </a:rPr>
+              <a:t>Il </a:t>
+            </a:r>
+            <a:r>
+              <a:rPr lang="en-GB" sz="800" dirty="0" err="1">
+                <a:effectLst/>
+                <a:latin typeface="Helvetica Neue" panose="02000503000000020004" pitchFamily="2" charset="0"/>
+              </a:rPr>
+              <a:t>tabarro</a:t>
+            </a:r>
+            <a:r>
+              <a:rPr lang="en-GB" sz="800" dirty="0">
+                <a:effectLst/>
+                <a:latin typeface="Helvetica Neue" panose="02000503000000020004" pitchFamily="2" charset="0"/>
+              </a:rPr>
+              <a:t>》</a:t>
+            </a:r>
+            <a:r>
+              <a:rPr lang="zh-CN" altLang="en-US" sz="800" dirty="0">
+                <a:effectLst/>
+                <a:latin typeface="Helvetica Neue" panose="02000503000000020004" pitchFamily="2" charset="0"/>
+              </a:rPr>
+              <a:t>和</a:t>
+            </a:r>
+            <a:r>
+              <a:rPr lang="en-US" altLang="zh-CN" sz="800" dirty="0">
+                <a:effectLst/>
+                <a:latin typeface="Helvetica Neue" panose="02000503000000020004" pitchFamily="2" charset="0"/>
+              </a:rPr>
+              <a:t>《</a:t>
+            </a:r>
+            <a:r>
+              <a:rPr lang="en-GB" sz="800" dirty="0" err="1">
+                <a:effectLst/>
+                <a:latin typeface="Helvetica Neue" panose="02000503000000020004" pitchFamily="2" charset="0"/>
+              </a:rPr>
+              <a:t>Suor</a:t>
+            </a:r>
+            <a:r>
+              <a:rPr lang="en-GB" sz="800" dirty="0">
+                <a:effectLst/>
+                <a:latin typeface="Helvetica Neue" panose="02000503000000020004" pitchFamily="2" charset="0"/>
+              </a:rPr>
+              <a:t> Angelica》</a:t>
+            </a:r>
+            <a:r>
+              <a:rPr lang="zh-CN" altLang="en-US" sz="800" dirty="0">
+                <a:effectLst/>
+                <a:latin typeface="Helvetica Neue" panose="02000503000000020004" pitchFamily="2" charset="0"/>
+              </a:rPr>
+              <a:t>不同，这里的死亡不是结束，而是事件的开始。当幕布拉开时，我们看到布索的亲属聚集在刚刚去世的人的床边</a:t>
+            </a:r>
+            <a:r>
+              <a:rPr lang="en-US" altLang="zh-CN" sz="800" dirty="0">
+                <a:effectLst/>
+                <a:latin typeface="Helvetica Neue" panose="02000503000000020004" pitchFamily="2" charset="0"/>
+              </a:rPr>
+              <a:t>——</a:t>
+            </a:r>
+            <a:r>
+              <a:rPr lang="zh-CN" altLang="en-US" sz="800" dirty="0">
+                <a:effectLst/>
+                <a:latin typeface="Helvetica Neue" panose="02000503000000020004" pitchFamily="2" charset="0"/>
+              </a:rPr>
+              <a:t>一群虚伪的哭泣人群，他们夸张的悲伤无法掩盖</a:t>
+            </a:r>
+            <a:endParaRPr lang="zh-CN" altLang="en-US" sz="800" dirty="0">
+              <a:effectLst/>
+              <a:latin typeface="PingFang SC" panose="020B0400000000000000" pitchFamily="34" charset="-122"/>
+              <a:ea typeface="PingFang SC" panose="020B0400000000000000" pitchFamily="34" charset="-122"/>
+            </a:endParaRPr>
+          </a:p>
+        </p:txBody>
+      </p:sp>
+      <p:sp>
+        <p:nvSpPr>
+          <p:cNvPr id="3" name="TextBox 2">
+            <a:extLst>
+              <a:ext uri="{FF2B5EF4-FFF2-40B4-BE49-F238E27FC236}">
+                <a16:creationId xmlns:a16="http://schemas.microsoft.com/office/drawing/2014/main" id="{92D4719F-CAB1-8F24-A462-5E255340B329}"/>
+              </a:ext>
+            </a:extLst>
+          </p:cNvPr>
+          <p:cNvSpPr txBox="1"/>
+          <p:nvPr/>
+        </p:nvSpPr>
+        <p:spPr>
+          <a:xfrm>
+            <a:off x="5039139" y="0"/>
+            <a:ext cx="4866863" cy="6986528"/>
+          </a:xfrm>
+          <a:prstGeom prst="rect">
+            <a:avLst/>
+          </a:prstGeom>
+          <a:noFill/>
+        </p:spPr>
+        <p:txBody>
+          <a:bodyPr wrap="square">
+            <a:spAutoFit/>
+          </a:bodyPr>
+          <a:lstStyle/>
+          <a:p>
+            <a:r>
+              <a:rPr lang="zh-CN" altLang="en-US" sz="800" dirty="0">
+                <a:effectLst/>
+                <a:latin typeface="Helvetica Neue" panose="02000503000000020004" pitchFamily="2" charset="0"/>
+              </a:rPr>
+              <a:t>他们唯一的、贪婪的利益就是继承权。从音乐上来说，最近创作的 </a:t>
+            </a:r>
+            <a:r>
+              <a:rPr lang="en-GB" sz="800" dirty="0">
+                <a:effectLst/>
+                <a:latin typeface="Helvetica Neue" panose="02000503000000020004" pitchFamily="2" charset="0"/>
+              </a:rPr>
+              <a:t>Gianni Schicchi </a:t>
+            </a:r>
+            <a:r>
+              <a:rPr lang="zh-CN" altLang="en-US" sz="800" dirty="0">
+                <a:effectLst/>
+                <a:latin typeface="Helvetica Neue" panose="02000503000000020004" pitchFamily="2" charset="0"/>
+              </a:rPr>
+              <a:t>与</a:t>
+            </a:r>
+            <a:r>
+              <a:rPr lang="en-US" altLang="zh-CN" sz="800" dirty="0">
+                <a:effectLst/>
+                <a:latin typeface="Helvetica Neue" panose="02000503000000020004" pitchFamily="2" charset="0"/>
+              </a:rPr>
+              <a:t>《</a:t>
+            </a:r>
+            <a:r>
+              <a:rPr lang="en-GB" sz="800" dirty="0" err="1">
+                <a:effectLst/>
+                <a:latin typeface="Helvetica Neue" panose="02000503000000020004" pitchFamily="2" charset="0"/>
+              </a:rPr>
+              <a:t>Tabarro</a:t>
+            </a:r>
+            <a:r>
+              <a:rPr lang="en-GB" sz="800" dirty="0">
+                <a:effectLst/>
+                <a:latin typeface="Helvetica Neue" panose="02000503000000020004" pitchFamily="2" charset="0"/>
+              </a:rPr>
+              <a:t>》</a:t>
+            </a:r>
+            <a:r>
+              <a:rPr lang="zh-CN" altLang="en-US" sz="800" dirty="0">
+                <a:effectLst/>
+                <a:latin typeface="Helvetica Neue" panose="02000503000000020004" pitchFamily="2" charset="0"/>
+              </a:rPr>
+              <a:t>和</a:t>
+            </a:r>
+            <a:r>
+              <a:rPr lang="en-US" altLang="zh-CN" sz="800" dirty="0">
+                <a:effectLst/>
+                <a:latin typeface="Helvetica Neue" panose="02000503000000020004" pitchFamily="2" charset="0"/>
+              </a:rPr>
+              <a:t>《</a:t>
+            </a:r>
+            <a:r>
+              <a:rPr lang="en-GB" sz="800" dirty="0" err="1">
+                <a:effectLst/>
+                <a:latin typeface="Helvetica Neue" panose="02000503000000020004" pitchFamily="2" charset="0"/>
+              </a:rPr>
+              <a:t>Suor</a:t>
+            </a:r>
+            <a:r>
+              <a:rPr lang="en-GB" sz="800" dirty="0">
+                <a:effectLst/>
+                <a:latin typeface="Helvetica Neue" panose="02000503000000020004" pitchFamily="2" charset="0"/>
+              </a:rPr>
+              <a:t> Angelica 》</a:t>
+            </a:r>
+            <a:r>
+              <a:rPr lang="zh-CN" altLang="en-US" sz="800" dirty="0">
+                <a:effectLst/>
+                <a:latin typeface="Helvetica Neue" panose="02000503000000020004" pitchFamily="2" charset="0"/>
+              </a:rPr>
+              <a:t>有着完全不同的音调。气氛在这里不起作用，人物也不是心理上掌握的甚至是有深度的人物，而是传统的面具喜剧类型，这符合即兴喜剧的精神。情节本身完全分解为行动，叙事时间和被叙述时间重合。普契尼以他最先进的乐谱回应了这一挑战，充满了强有力的节奏、快速的节奏和明亮、不和谐的整体，但几乎没有云彩的全音阶。在他们不可抗拒的能量中，</a:t>
+            </a:r>
+            <a:r>
+              <a:rPr lang="en-US" altLang="zh-CN" sz="800" dirty="0">
+                <a:effectLst/>
+                <a:latin typeface="Helvetica Neue" panose="02000503000000020004" pitchFamily="2" charset="0"/>
+              </a:rPr>
+              <a:t>19</a:t>
+            </a:r>
+            <a:r>
+              <a:rPr lang="zh-CN" altLang="en-US" sz="800" dirty="0">
+                <a:effectLst/>
+                <a:latin typeface="Helvetica Neue" panose="02000503000000020004" pitchFamily="2" charset="0"/>
+              </a:rPr>
+              <a:t>斯特拉文斯基的</a:t>
+            </a:r>
+            <a:r>
+              <a:rPr lang="en-US" altLang="zh-CN" sz="800" dirty="0">
+                <a:effectLst/>
+                <a:latin typeface="Helvetica Neue" panose="02000503000000020004" pitchFamily="2" charset="0"/>
+              </a:rPr>
+              <a:t>《</a:t>
+            </a:r>
+            <a:r>
+              <a:rPr lang="zh-CN" altLang="en-US" sz="800" dirty="0">
+                <a:effectLst/>
+                <a:latin typeface="Helvetica Neue" panose="02000503000000020004" pitchFamily="2" charset="0"/>
+              </a:rPr>
+              <a:t>彼得鲁什卡</a:t>
+            </a:r>
+            <a:r>
+              <a:rPr lang="en-US" altLang="zh-CN" sz="800" dirty="0">
+                <a:effectLst/>
+                <a:latin typeface="Helvetica Neue" panose="02000503000000020004" pitchFamily="2" charset="0"/>
+              </a:rPr>
+              <a:t>》</a:t>
+            </a:r>
+            <a:r>
+              <a:rPr lang="zh-CN" altLang="en-US" sz="800" dirty="0">
+                <a:effectLst/>
+                <a:latin typeface="Helvetica Neue" panose="02000503000000020004" pitchFamily="2" charset="0"/>
+              </a:rPr>
+              <a:t>的影响引起了共鸣；其不安分的乐章已经暗示了新古典主义的运动技巧。他也是把喜剧带出来的人</a:t>
+            </a:r>
+            <a:r>
+              <a:rPr lang="en-US" altLang="zh-CN" sz="800" dirty="0">
+                <a:effectLst/>
+                <a:latin typeface="Helvetica Neue" panose="02000503000000020004" pitchFamily="2" charset="0"/>
+              </a:rPr>
+              <a:t>——</a:t>
+            </a:r>
+            <a:r>
+              <a:rPr lang="zh-CN" altLang="en-US" sz="800" dirty="0">
+                <a:effectLst/>
+                <a:latin typeface="Helvetica Neue" panose="02000503000000020004" pitchFamily="2" charset="0"/>
+              </a:rPr>
+              <a:t>从卑鄙的讽刺到怪诞的夸张，这并不回避狐步舞。同样引人注目的是材料及其处理的经济性。从第一小节开始，一个单一的中心主题决定了音乐 </a:t>
+            </a:r>
+            <a:r>
+              <a:rPr lang="en-US" altLang="zh-CN" sz="800" dirty="0">
+                <a:effectLst/>
+                <a:latin typeface="Helvetica Neue" panose="02000503000000020004" pitchFamily="2" charset="0"/>
+              </a:rPr>
+              <a:t>- </a:t>
+            </a:r>
+            <a:r>
+              <a:rPr lang="zh-CN" altLang="en-US" sz="800" dirty="0">
+                <a:effectLst/>
+                <a:latin typeface="Helvetica Neue" panose="02000503000000020004" pitchFamily="2" charset="0"/>
+              </a:rPr>
+              <a:t>一个短的双小节固定音，其下降但始终一致的切分音第二步和节拍军鼓以戏仿的方式强调了它们，可以被视为假装悲伤的心理图。这种动机集中的极端情况主导了整个音乐的三分之二。第二个主题也在引子中暴露，在三分之一处明亮而讽刺地强调了詹尼</a:t>
+            </a:r>
+            <a:r>
+              <a:rPr lang="en-US" altLang="zh-CN" sz="800" dirty="0">
+                <a:effectLst/>
+                <a:latin typeface="Helvetica Neue" panose="02000503000000020004" pitchFamily="2" charset="0"/>
+              </a:rPr>
+              <a:t>·</a:t>
+            </a:r>
+            <a:r>
+              <a:rPr lang="zh-CN" altLang="en-US" sz="800" dirty="0">
+                <a:effectLst/>
+                <a:latin typeface="Helvetica Neue" panose="02000503000000020004" pitchFamily="2" charset="0"/>
+              </a:rPr>
+              <a:t>斯基奇的​​名字。最后，当他追赶乐队时的亲戚被赶出家门，“扫走了顽皮的第三个</a:t>
+            </a:r>
+            <a:r>
+              <a:rPr lang="en-US" altLang="zh-CN" sz="800" dirty="0">
+                <a:effectLst/>
+                <a:latin typeface="Helvetica Neue" panose="02000503000000020004" pitchFamily="2" charset="0"/>
+              </a:rPr>
+              <a:t>……</a:t>
+            </a:r>
+            <a:r>
+              <a:rPr lang="zh-CN" altLang="en-US" sz="800" dirty="0">
+                <a:effectLst/>
+                <a:latin typeface="Helvetica Neue" panose="02000503000000020004" pitchFamily="2" charset="0"/>
+              </a:rPr>
+              <a:t>悲伤的第二个”。木管乐器和铜管乐器的金属色彩在管弦乐队中占主导地位。歌声几乎没有发展为独唱者，几乎完全沦为流动的帕兰多。唯一的封闭曲目是劳雷塔的咏叹调“</a:t>
+            </a:r>
+            <a:r>
+              <a:rPr lang="en-GB" sz="800" dirty="0">
+                <a:effectLst/>
+                <a:latin typeface="Helvetica Neue" panose="02000503000000020004" pitchFamily="2" charset="0"/>
+              </a:rPr>
+              <a:t>O </a:t>
+            </a:r>
+            <a:r>
+              <a:rPr lang="en-GB" sz="800" dirty="0" err="1">
+                <a:effectLst/>
+                <a:latin typeface="Helvetica Neue" panose="02000503000000020004" pitchFamily="2" charset="0"/>
+              </a:rPr>
+              <a:t>mio</a:t>
+            </a:r>
+            <a:r>
+              <a:rPr lang="en-GB" sz="800" dirty="0">
+                <a:effectLst/>
+                <a:latin typeface="Helvetica Neue" panose="02000503000000020004" pitchFamily="2" charset="0"/>
+              </a:rPr>
+              <a:t> </a:t>
+            </a:r>
+            <a:r>
+              <a:rPr lang="en-GB" sz="800" dirty="0" err="1">
+                <a:effectLst/>
+                <a:latin typeface="Helvetica Neue" panose="02000503000000020004" pitchFamily="2" charset="0"/>
+              </a:rPr>
+              <a:t>babbino</a:t>
+            </a:r>
+            <a:r>
+              <a:rPr lang="en-GB" sz="800" dirty="0">
+                <a:effectLst/>
+                <a:latin typeface="Helvetica Neue" panose="02000503000000020004" pitchFamily="2" charset="0"/>
+              </a:rPr>
+              <a:t> </a:t>
+            </a:r>
+            <a:r>
+              <a:rPr lang="en-GB" sz="800" dirty="0" err="1">
+                <a:effectLst/>
+                <a:latin typeface="Helvetica Neue" panose="02000503000000020004" pitchFamily="2" charset="0"/>
+              </a:rPr>
+              <a:t>caro</a:t>
+            </a:r>
+            <a:r>
+              <a:rPr lang="en-GB" sz="800" dirty="0">
+                <a:effectLst/>
+                <a:latin typeface="Helvetica Neue" panose="02000503000000020004" pitchFamily="2" charset="0"/>
+              </a:rPr>
+              <a:t>”，</a:t>
+            </a:r>
+            <a:r>
+              <a:rPr lang="zh-CN" altLang="en-US" sz="800" dirty="0">
+                <a:effectLst/>
+                <a:latin typeface="Helvetica Neue" panose="02000503000000020004" pitchFamily="2" charset="0"/>
+              </a:rPr>
+              <a:t>用摇曳的西西里韵律表达“</a:t>
+            </a:r>
+            <a:r>
+              <a:rPr lang="en-GB" sz="800" dirty="0" err="1">
+                <a:effectLst/>
+                <a:latin typeface="Helvetica Neue" panose="02000503000000020004" pitchFamily="2" charset="0"/>
+              </a:rPr>
+              <a:t>ingenuo</a:t>
+            </a:r>
+            <a:r>
+              <a:rPr lang="en-GB" sz="800" dirty="0">
+                <a:effectLst/>
+                <a:latin typeface="Helvetica Neue" panose="02000503000000020004" pitchFamily="2" charset="0"/>
+              </a:rPr>
+              <a:t>”（</a:t>
+            </a:r>
+            <a:r>
+              <a:rPr lang="zh-CN" altLang="en-US" sz="800" dirty="0">
+                <a:effectLst/>
+                <a:latin typeface="Helvetica Neue" panose="02000503000000020004" pitchFamily="2" charset="0"/>
+              </a:rPr>
+              <a:t>孩子般的、天真的），似乎是一首忧郁的自语。在音乐上，詹尼</a:t>
+            </a:r>
+            <a:r>
+              <a:rPr lang="en-US" altLang="zh-CN" sz="800" dirty="0">
+                <a:effectLst/>
+                <a:latin typeface="Helvetica Neue" panose="02000503000000020004" pitchFamily="2" charset="0"/>
+              </a:rPr>
+              <a:t>·</a:t>
+            </a:r>
+            <a:r>
+              <a:rPr lang="zh-CN" altLang="en-US" sz="800" dirty="0">
+                <a:effectLst/>
+                <a:latin typeface="Helvetica Neue" panose="02000503000000020004" pitchFamily="2" charset="0"/>
+              </a:rPr>
+              <a:t>斯基基（</a:t>
+            </a:r>
+            <a:r>
+              <a:rPr lang="en-GB" sz="800" dirty="0">
+                <a:effectLst/>
+                <a:latin typeface="Helvetica Neue" panose="02000503000000020004" pitchFamily="2" charset="0"/>
+              </a:rPr>
+              <a:t>Gianni Schicchi）</a:t>
+            </a:r>
+            <a:r>
+              <a:rPr lang="zh-CN" altLang="en-US" sz="800" dirty="0">
+                <a:effectLst/>
+                <a:latin typeface="Helvetica Neue" panose="02000503000000020004" pitchFamily="2" charset="0"/>
+              </a:rPr>
+              <a:t>从出现的那一刻起就主导了整个音乐过程。他是自信的新人，狡猾而聪明的乡下暴发户，老派多纳蒂瞧不起他，却又牵着他们的鼻子走。福尔扎诺后来借笔给墨索里尼创作了三部戏剧，并以法西斯宣传片导演为职业，当然，他也赞扬了斯基基这位当时的资产阶级社会攀登者。对于这位歌手来说，这是一个戏剧性的男中音不会错过的一个声音要求高、充满玩笑的感激的角色</a:t>
+            </a:r>
+            <a:r>
+              <a:rPr lang="en-US" altLang="zh-CN" sz="800" dirty="0">
+                <a:effectLst/>
+                <a:latin typeface="Helvetica Neue" panose="02000503000000020004" pitchFamily="2" charset="0"/>
+              </a:rPr>
+              <a:t>——</a:t>
+            </a:r>
+            <a:r>
+              <a:rPr lang="zh-CN" altLang="en-US" sz="800" dirty="0">
+                <a:effectLst/>
+                <a:latin typeface="Helvetica Neue" panose="02000503000000020004" pitchFamily="2" charset="0"/>
+              </a:rPr>
+              <a:t>直到但丁为这个“流氓”送入地狱的遗嘱伪造者用口头“告别”请求观众。普契尼通过这一场景打破了第四堵墙的幻觉，赋予了“许可证”新的含义，传统上，许可证以道德句子结束布法。</a:t>
+            </a:r>
+          </a:p>
+          <a:p>
+            <a:endParaRPr lang="zh-CN" altLang="en-US" sz="800" dirty="0">
+              <a:effectLst/>
+              <a:latin typeface="Helvetica Neue" panose="02000503000000020004" pitchFamily="2" charset="0"/>
+            </a:endParaRPr>
+          </a:p>
+          <a:p>
+            <a:r>
+              <a:rPr lang="en-GB" sz="800" dirty="0">
+                <a:effectLst/>
+                <a:latin typeface="Helvetica Neue" panose="02000503000000020004" pitchFamily="2" charset="0"/>
+              </a:rPr>
+              <a:t>La Triade，</a:t>
+            </a:r>
+            <a:r>
+              <a:rPr lang="zh-CN" altLang="en-US" sz="800" dirty="0">
+                <a:effectLst/>
+                <a:latin typeface="Helvetica Neue" panose="02000503000000020004" pitchFamily="2" charset="0"/>
+              </a:rPr>
+              <a:t>即总标题</a:t>
+            </a:r>
+            <a:r>
+              <a:rPr lang="en-US" altLang="zh-CN" sz="800" dirty="0">
+                <a:effectLst/>
+                <a:latin typeface="Helvetica Neue" panose="02000503000000020004" pitchFamily="2" charset="0"/>
+              </a:rPr>
+              <a:t>《</a:t>
+            </a:r>
+            <a:r>
+              <a:rPr lang="en-GB" sz="800" dirty="0">
+                <a:effectLst/>
+                <a:latin typeface="Helvetica Neue" panose="02000503000000020004" pitchFamily="2" charset="0"/>
+              </a:rPr>
+              <a:t>Il </a:t>
+            </a:r>
+            <a:r>
+              <a:rPr lang="en-GB" sz="800" dirty="0" err="1">
+                <a:effectLst/>
+                <a:latin typeface="Helvetica Neue" panose="02000503000000020004" pitchFamily="2" charset="0"/>
+              </a:rPr>
+              <a:t>tratico</a:t>
+            </a:r>
+            <a:r>
+              <a:rPr lang="en-GB" sz="800" dirty="0">
+                <a:effectLst/>
+                <a:latin typeface="Helvetica Neue" panose="02000503000000020004" pitchFamily="2" charset="0"/>
+              </a:rPr>
+              <a:t>》（</a:t>
+            </a:r>
+            <a:r>
+              <a:rPr lang="zh-CN" altLang="en-US" sz="800" dirty="0">
+                <a:effectLst/>
+                <a:latin typeface="Helvetica Neue" panose="02000503000000020004" pitchFamily="2" charset="0"/>
+              </a:rPr>
+              <a:t>三联画），将三部独幕剧合而为一，这在歌剧史上是独一无二的。这一创新来自出版商</a:t>
+            </a:r>
+            <a:r>
+              <a:rPr lang="en-GB" sz="800" dirty="0">
+                <a:effectLst/>
+                <a:latin typeface="Helvetica Neue" panose="02000503000000020004" pitchFamily="2" charset="0"/>
+              </a:rPr>
+              <a:t>Tito </a:t>
+            </a:r>
+            <a:r>
+              <a:rPr lang="en-GB" sz="800" dirty="0" err="1">
+                <a:effectLst/>
+                <a:latin typeface="Helvetica Neue" panose="02000503000000020004" pitchFamily="2" charset="0"/>
+              </a:rPr>
+              <a:t>Ricordi</a:t>
+            </a:r>
+            <a:r>
+              <a:rPr lang="en-GB" sz="800" dirty="0">
+                <a:effectLst/>
+                <a:latin typeface="Helvetica Neue" panose="02000503000000020004" pitchFamily="2" charset="0"/>
+              </a:rPr>
+              <a:t>。</a:t>
+            </a:r>
+            <a:r>
+              <a:rPr lang="zh-CN" altLang="en-US" sz="800" dirty="0">
+                <a:effectLst/>
+                <a:latin typeface="Helvetica Neue" panose="02000503000000020004" pitchFamily="2" charset="0"/>
+              </a:rPr>
+              <a:t>普契尼本人提议了“</a:t>
+            </a:r>
+            <a:r>
+              <a:rPr lang="en-GB" sz="800" dirty="0">
+                <a:effectLst/>
+                <a:latin typeface="Helvetica Neue" panose="02000503000000020004" pitchFamily="2" charset="0"/>
+              </a:rPr>
+              <a:t>La </a:t>
+            </a:r>
+            <a:r>
+              <a:rPr lang="en-GB" sz="800" dirty="0" err="1">
+                <a:effectLst/>
+                <a:latin typeface="Helvetica Neue" panose="02000503000000020004" pitchFamily="2" charset="0"/>
+              </a:rPr>
+              <a:t>triade</a:t>
+            </a:r>
+            <a:r>
+              <a:rPr lang="en-GB" sz="800" dirty="0">
+                <a:effectLst/>
+                <a:latin typeface="Helvetica Neue" panose="02000503000000020004" pitchFamily="2" charset="0"/>
+              </a:rPr>
+              <a:t>”（“</a:t>
+            </a:r>
+            <a:r>
+              <a:rPr lang="zh-CN" altLang="en-US" sz="800" dirty="0">
+                <a:effectLst/>
+                <a:latin typeface="Helvetica Neue" panose="02000503000000020004" pitchFamily="2" charset="0"/>
+              </a:rPr>
+              <a:t>三合会”），但并未获得批准。在给朋友里卡多</a:t>
+            </a:r>
+            <a:r>
+              <a:rPr lang="en-US" altLang="zh-CN" sz="800" dirty="0">
+                <a:effectLst/>
+                <a:latin typeface="Helvetica Neue" panose="02000503000000020004" pitchFamily="2" charset="0"/>
+              </a:rPr>
+              <a:t>·</a:t>
+            </a:r>
+            <a:r>
+              <a:rPr lang="zh-CN" altLang="en-US" sz="800" dirty="0">
+                <a:effectLst/>
+                <a:latin typeface="Helvetica Neue" panose="02000503000000020004" pitchFamily="2" charset="0"/>
+              </a:rPr>
+              <a:t>施纳布尔的信中，他将其描述为“辱骂性的”和“不恰当的”，但他自然没有这样做。尽管他可能想到了基督教祭坛画的三联画，但他肯定没有想到但丁神曲的三个阶段。</a:t>
+            </a:r>
+          </a:p>
+          <a:p>
+            <a:r>
+              <a:rPr lang="zh-CN" altLang="en-US" sz="800" dirty="0">
+                <a:effectLst/>
+                <a:latin typeface="Helvetica Neue" panose="02000503000000020004" pitchFamily="2" charset="0"/>
+              </a:rPr>
+              <a:t>从技术上讲，这三部作品合并成了一个统一的整体，有意识地避免将颂歌作为表达情感的中心手段，并削弱了管弦乐队和描述性音乐的主导地位。管弦乐队在所有三部作品中都有相同的阵容，但每次听起来都不同，</a:t>
+            </a:r>
+            <a:r>
+              <a:rPr lang="en-US" altLang="zh-CN" sz="800" dirty="0">
+                <a:effectLst/>
+                <a:latin typeface="Helvetica Neue" panose="02000503000000020004" pitchFamily="2" charset="0"/>
+              </a:rPr>
+              <a:t>《</a:t>
+            </a:r>
+            <a:r>
+              <a:rPr lang="zh-CN" altLang="en-US" sz="800" dirty="0">
+                <a:effectLst/>
+                <a:latin typeface="Helvetica Neue" panose="02000503000000020004" pitchFamily="2" charset="0"/>
+              </a:rPr>
+              <a:t>塔巴罗</a:t>
+            </a:r>
+            <a:r>
+              <a:rPr lang="en-US" altLang="zh-CN" sz="800" dirty="0">
+                <a:effectLst/>
+                <a:latin typeface="Helvetica Neue" panose="02000503000000020004" pitchFamily="2" charset="0"/>
+              </a:rPr>
+              <a:t>》</a:t>
+            </a:r>
+            <a:r>
+              <a:rPr lang="zh-CN" altLang="en-US" sz="800" dirty="0">
+                <a:effectLst/>
+                <a:latin typeface="Helvetica Neue" panose="02000503000000020004" pitchFamily="2" charset="0"/>
+              </a:rPr>
+              <a:t>中是真实的苦涩，</a:t>
+            </a:r>
+            <a:r>
+              <a:rPr lang="en-US" altLang="zh-CN" sz="800" dirty="0">
+                <a:effectLst/>
+                <a:latin typeface="Helvetica Neue" panose="02000503000000020004" pitchFamily="2" charset="0"/>
+              </a:rPr>
+              <a:t>《</a:t>
+            </a:r>
+            <a:r>
+              <a:rPr lang="zh-CN" altLang="en-US" sz="800" dirty="0">
+                <a:effectLst/>
+                <a:latin typeface="Helvetica Neue" panose="02000503000000020004" pitchFamily="2" charset="0"/>
+              </a:rPr>
+              <a:t>苏尔</a:t>
+            </a:r>
+            <a:r>
+              <a:rPr lang="en-US" altLang="zh-CN" sz="800" dirty="0">
+                <a:effectLst/>
+                <a:latin typeface="Helvetica Neue" panose="02000503000000020004" pitchFamily="2" charset="0"/>
+              </a:rPr>
+              <a:t>·</a:t>
+            </a:r>
+            <a:r>
+              <a:rPr lang="zh-CN" altLang="en-US" sz="800" dirty="0">
+                <a:effectLst/>
+                <a:latin typeface="Helvetica Neue" panose="02000503000000020004" pitchFamily="2" charset="0"/>
+              </a:rPr>
+              <a:t>安杰莉卡</a:t>
+            </a:r>
+            <a:r>
+              <a:rPr lang="en-US" altLang="zh-CN" sz="800" dirty="0">
+                <a:effectLst/>
+                <a:latin typeface="Helvetica Neue" panose="02000503000000020004" pitchFamily="2" charset="0"/>
+              </a:rPr>
+              <a:t>》</a:t>
+            </a:r>
+            <a:r>
+              <a:rPr lang="zh-CN" altLang="en-US" sz="800" dirty="0">
+                <a:effectLst/>
+                <a:latin typeface="Helvetica Neue" panose="02000503000000020004" pitchFamily="2" charset="0"/>
+              </a:rPr>
+              <a:t>中是印象派的透明，</a:t>
+            </a:r>
+            <a:r>
+              <a:rPr lang="en-US" altLang="zh-CN" sz="800" dirty="0">
+                <a:effectLst/>
+                <a:latin typeface="Helvetica Neue" panose="02000503000000020004" pitchFamily="2" charset="0"/>
+              </a:rPr>
+              <a:t>《</a:t>
+            </a:r>
+            <a:r>
+              <a:rPr lang="zh-CN" altLang="en-US" sz="800" dirty="0">
+                <a:effectLst/>
+                <a:latin typeface="Helvetica Neue" panose="02000503000000020004" pitchFamily="2" charset="0"/>
+              </a:rPr>
+              <a:t>贾尼</a:t>
+            </a:r>
+            <a:r>
+              <a:rPr lang="en-US" altLang="zh-CN" sz="800" dirty="0">
+                <a:effectLst/>
+                <a:latin typeface="Helvetica Neue" panose="02000503000000020004" pitchFamily="2" charset="0"/>
+              </a:rPr>
+              <a:t>·</a:t>
+            </a:r>
+            <a:r>
+              <a:rPr lang="zh-CN" altLang="en-US" sz="800" dirty="0">
+                <a:effectLst/>
+                <a:latin typeface="Helvetica Neue" panose="02000503000000020004" pitchFamily="2" charset="0"/>
+              </a:rPr>
+              <a:t>斯基基</a:t>
+            </a:r>
+            <a:r>
+              <a:rPr lang="en-US" altLang="zh-CN" sz="800" dirty="0">
+                <a:effectLst/>
+                <a:latin typeface="Helvetica Neue" panose="02000503000000020004" pitchFamily="2" charset="0"/>
+              </a:rPr>
+              <a:t>》</a:t>
+            </a:r>
+            <a:r>
+              <a:rPr lang="zh-CN" altLang="en-US" sz="800" dirty="0">
+                <a:effectLst/>
+                <a:latin typeface="Helvetica Neue" panose="02000503000000020004" pitchFamily="2" charset="0"/>
+              </a:rPr>
+              <a:t>中则是积极的摇摆 </a:t>
+            </a:r>
+            <a:r>
+              <a:rPr lang="en-US" altLang="zh-CN" sz="800" dirty="0">
+                <a:effectLst/>
+                <a:latin typeface="Helvetica Neue" panose="02000503000000020004" pitchFamily="2" charset="0"/>
+              </a:rPr>
+              <a:t>——</a:t>
+            </a:r>
+            <a:r>
+              <a:rPr lang="zh-CN" altLang="en-US" sz="800" dirty="0">
+                <a:effectLst/>
+                <a:latin typeface="Helvetica Neue" panose="02000503000000020004" pitchFamily="2" charset="0"/>
+              </a:rPr>
+              <a:t>这证明了普契尼现在对于编排的丰富多彩和自信。这座近乎电影般的戏剧塔也使其摆脱了作为空间、动作和事件提供声音的传统功能。这三部独幕剧没有男女主角，几乎没有咏叹调，这与</a:t>
+            </a:r>
+            <a:r>
+              <a:rPr lang="en-US" altLang="zh-CN" sz="800" dirty="0">
+                <a:effectLst/>
+                <a:latin typeface="Helvetica Neue" panose="02000503000000020004" pitchFamily="2" charset="0"/>
+              </a:rPr>
+              <a:t>19</a:t>
+            </a:r>
+            <a:r>
+              <a:rPr lang="zh-CN" altLang="en-US" sz="800" dirty="0">
+                <a:effectLst/>
+                <a:latin typeface="Helvetica Neue" panose="02000503000000020004" pitchFamily="2" charset="0"/>
+              </a:rPr>
+              <a:t>世纪的歌剧理想背道而驰。它们反映了第一次世界大战开始时的政治和社会危机。它们参与了一种音乐历史的现代性，这种现代性导致了斯特拉文斯基的节奏的解放以及他的对手勋伯格的不和谐音的解放。</a:t>
+            </a:r>
+          </a:p>
+          <a:p>
+            <a:r>
+              <a:rPr lang="zh-CN" altLang="en-US" sz="800" dirty="0">
+                <a:effectLst/>
+                <a:latin typeface="PingFang SC" panose="020B0400000000000000" pitchFamily="34" charset="-122"/>
+                <a:ea typeface="PingFang SC" panose="020B0400000000000000" pitchFamily="34" charset="-122"/>
+              </a:rPr>
+              <a:t>如果您正在寻找一种统一的纽带，一种连接情景戏剧的智力工作理念，那么死亡主题是普契尼文学中提出的最令人信服的解决方案。它在歌剧类型中无处不在，但在</a:t>
+            </a:r>
+            <a:r>
+              <a:rPr lang="en-US" altLang="zh-CN" sz="800" dirty="0">
+                <a:effectLst/>
+                <a:latin typeface="PingFang SC" panose="020B0400000000000000" pitchFamily="34" charset="-122"/>
+                <a:ea typeface="PingFang SC" panose="020B0400000000000000" pitchFamily="34" charset="-122"/>
+              </a:rPr>
+              <a:t>《</a:t>
+            </a:r>
+            <a:r>
+              <a:rPr lang="zh-CN" altLang="en-US" sz="800" dirty="0">
+                <a:effectLst/>
+                <a:latin typeface="PingFang SC" panose="020B0400000000000000" pitchFamily="34" charset="-122"/>
+                <a:ea typeface="PingFang SC" panose="020B0400000000000000" pitchFamily="34" charset="-122"/>
+              </a:rPr>
+              <a:t>特里蒂科</a:t>
+            </a:r>
+            <a:r>
+              <a:rPr lang="en-US" altLang="zh-CN" sz="800" dirty="0">
+                <a:effectLst/>
+                <a:latin typeface="PingFang SC" panose="020B0400000000000000" pitchFamily="34" charset="-122"/>
+                <a:ea typeface="PingFang SC" panose="020B0400000000000000" pitchFamily="34" charset="-122"/>
+              </a:rPr>
+              <a:t>》</a:t>
+            </a:r>
+            <a:r>
+              <a:rPr lang="zh-CN" altLang="en-US" sz="800" dirty="0">
+                <a:effectLst/>
+                <a:latin typeface="PingFang SC" panose="020B0400000000000000" pitchFamily="34" charset="-122"/>
+                <a:ea typeface="PingFang SC" panose="020B0400000000000000" pitchFamily="34" charset="-122"/>
+              </a:rPr>
+              <a:t>中，死亡扮演了隐藏的主角，可以说，伴随着路易吉的谋杀和安杰莉卡的自杀。此外，之前的死亡</a:t>
+            </a:r>
+            <a:r>
+              <a:rPr lang="en-US" altLang="zh-CN" sz="800" dirty="0">
+                <a:effectLst/>
+                <a:latin typeface="Helvetica Neue" panose="02000503000000020004" pitchFamily="2" charset="0"/>
+                <a:ea typeface="PingFang SC" panose="020B0400000000000000" pitchFamily="34" charset="-122"/>
+              </a:rPr>
+              <a:t>——</a:t>
+            </a:r>
+            <a:r>
+              <a:rPr lang="zh-CN" altLang="en-US" sz="800" dirty="0">
+                <a:effectLst/>
+                <a:latin typeface="PingFang SC" panose="020B0400000000000000" pitchFamily="34" charset="-122"/>
+                <a:ea typeface="PingFang SC" panose="020B0400000000000000" pitchFamily="34" charset="-122"/>
+              </a:rPr>
+              <a:t>首先是乔吉塔和米歇尔的孩子，然后是安吉莉卡的儿子，最后是布索</a:t>
+            </a:r>
+            <a:r>
+              <a:rPr lang="en-US" altLang="zh-CN" sz="800" dirty="0">
+                <a:effectLst/>
+                <a:latin typeface="Helvetica Neue" panose="02000503000000020004" pitchFamily="2" charset="0"/>
+                <a:ea typeface="PingFang SC" panose="020B0400000000000000" pitchFamily="34" charset="-122"/>
+              </a:rPr>
+              <a:t>·</a:t>
+            </a:r>
+            <a:r>
+              <a:rPr lang="zh-CN" altLang="en-US" sz="800" dirty="0">
+                <a:effectLst/>
+                <a:latin typeface="PingFang SC" panose="020B0400000000000000" pitchFamily="34" charset="-122"/>
+                <a:ea typeface="PingFang SC" panose="020B0400000000000000" pitchFamily="34" charset="-122"/>
+              </a:rPr>
+              <a:t>多纳蒂</a:t>
+            </a:r>
+            <a:r>
+              <a:rPr lang="en-US" altLang="zh-CN" sz="800" dirty="0">
+                <a:effectLst/>
+                <a:latin typeface="Helvetica Neue" panose="02000503000000020004" pitchFamily="2" charset="0"/>
+                <a:ea typeface="PingFang SC" panose="020B0400000000000000" pitchFamily="34" charset="-122"/>
+              </a:rPr>
+              <a:t>——</a:t>
+            </a:r>
+            <a:r>
+              <a:rPr lang="zh-CN" altLang="en-US" sz="800" dirty="0">
+                <a:effectLst/>
+                <a:latin typeface="PingFang SC" panose="020B0400000000000000" pitchFamily="34" charset="-122"/>
+                <a:ea typeface="PingFang SC" panose="020B0400000000000000" pitchFamily="34" charset="-122"/>
+              </a:rPr>
+              <a:t>是这一行动背后的推动力。但就内容而言，</a:t>
+            </a:r>
+            <a:r>
+              <a:rPr lang="zh-CN" altLang="en-US" sz="800" dirty="0">
+                <a:effectLst/>
+                <a:latin typeface="Helvetica Neue" panose="02000503000000020004" pitchFamily="2" charset="0"/>
+                <a:ea typeface="PingFang SC" panose="020B0400000000000000" pitchFamily="34" charset="-122"/>
+              </a:rPr>
+              <a:t>“</a:t>
+            </a:r>
+            <a:r>
+              <a:rPr lang="zh-CN" altLang="en-US" sz="800" dirty="0">
+                <a:effectLst/>
+                <a:latin typeface="PingFang SC" panose="020B0400000000000000" pitchFamily="34" charset="-122"/>
+                <a:ea typeface="PingFang SC" panose="020B0400000000000000" pitchFamily="34" charset="-122"/>
+              </a:rPr>
+              <a:t>废除多幕性质</a:t>
+            </a:r>
+            <a:r>
+              <a:rPr lang="zh-CN" altLang="en-US" sz="800" dirty="0">
+                <a:effectLst/>
+                <a:latin typeface="Helvetica Neue" panose="02000503000000020004" pitchFamily="2" charset="0"/>
+                <a:ea typeface="PingFang SC" panose="020B0400000000000000" pitchFamily="34" charset="-122"/>
+              </a:rPr>
+              <a:t>”</a:t>
+            </a:r>
+            <a:r>
+              <a:rPr lang="zh-CN" altLang="en-US" sz="800" dirty="0">
+                <a:effectLst/>
+                <a:latin typeface="PingFang SC" panose="020B0400000000000000" pitchFamily="34" charset="-122"/>
+                <a:ea typeface="PingFang SC" panose="020B0400000000000000" pitchFamily="34" charset="-122"/>
+              </a:rPr>
+              <a:t>的三个部分完全突然并列在一起。从戏剧性和形式上来说，这也可以被理解为瓦格纳式的普钦对</a:t>
+            </a:r>
+            <a:r>
+              <a:rPr lang="en-US" altLang="zh-CN" sz="800" dirty="0">
+                <a:effectLst/>
+                <a:latin typeface="PingFang SC" panose="020B0400000000000000" pitchFamily="34" charset="-122"/>
+                <a:ea typeface="PingFang SC" panose="020B0400000000000000" pitchFamily="34" charset="-122"/>
+              </a:rPr>
+              <a:t>《</a:t>
+            </a:r>
+            <a:r>
+              <a:rPr lang="zh-CN" altLang="en-US" sz="800" dirty="0">
+                <a:effectLst/>
+                <a:latin typeface="PingFang SC" panose="020B0400000000000000" pitchFamily="34" charset="-122"/>
+                <a:ea typeface="PingFang SC" panose="020B0400000000000000" pitchFamily="34" charset="-122"/>
+              </a:rPr>
+              <a:t>尼伯龙根指环</a:t>
+            </a:r>
+            <a:r>
+              <a:rPr lang="en-US" altLang="zh-CN" sz="800" dirty="0">
+                <a:effectLst/>
+                <a:latin typeface="PingFang SC" panose="020B0400000000000000" pitchFamily="34" charset="-122"/>
+                <a:ea typeface="PingFang SC" panose="020B0400000000000000" pitchFamily="34" charset="-122"/>
+              </a:rPr>
+              <a:t>》</a:t>
+            </a:r>
+            <a:r>
+              <a:rPr lang="zh-CN" altLang="en-US" sz="800" dirty="0">
+                <a:effectLst/>
+                <a:latin typeface="PingFang SC" panose="020B0400000000000000" pitchFamily="34" charset="-122"/>
+                <a:ea typeface="PingFang SC" panose="020B0400000000000000" pitchFamily="34" charset="-122"/>
+              </a:rPr>
+              <a:t>的有意识参考</a:t>
+            </a:r>
+            <a:r>
+              <a:rPr lang="en-US" altLang="zh-CN" sz="800" dirty="0">
+                <a:effectLst/>
+                <a:latin typeface="Helvetica Neue" panose="02000503000000020004" pitchFamily="2" charset="0"/>
+                <a:ea typeface="PingFang SC" panose="020B0400000000000000" pitchFamily="34" charset="-122"/>
+              </a:rPr>
+              <a:t>——</a:t>
+            </a:r>
+            <a:r>
+              <a:rPr lang="zh-CN" altLang="en-US" sz="800" dirty="0">
+                <a:effectLst/>
+                <a:latin typeface="PingFang SC" panose="020B0400000000000000" pitchFamily="34" charset="-122"/>
+                <a:ea typeface="PingFang SC" panose="020B0400000000000000" pitchFamily="34" charset="-122"/>
+              </a:rPr>
+              <a:t>一种反环的逆转，这种反环并不将四部完整的歌剧加起来形成一个周期，而是减去单个歌剧可以说，单一歌剧的表演是孤立的。但也许一切都简单得多，实际上只是三种颜色的</a:t>
+            </a:r>
+            <a:r>
+              <a:rPr lang="zh-CN" altLang="en-US" sz="800" dirty="0">
+                <a:effectLst/>
+                <a:latin typeface="Helvetica Neue" panose="02000503000000020004" pitchFamily="2" charset="0"/>
+                <a:ea typeface="PingFang SC" panose="020B0400000000000000" pitchFamily="34" charset="-122"/>
+              </a:rPr>
+              <a:t>“</a:t>
+            </a:r>
+            <a:r>
+              <a:rPr lang="zh-CN" altLang="en-US" sz="800" dirty="0">
+                <a:effectLst/>
+                <a:latin typeface="PingFang SC" panose="020B0400000000000000" pitchFamily="34" charset="-122"/>
+                <a:ea typeface="PingFang SC" panose="020B0400000000000000" pitchFamily="34" charset="-122"/>
+              </a:rPr>
+              <a:t>三合一</a:t>
+            </a:r>
+            <a:r>
+              <a:rPr lang="zh-CN" altLang="en-US" sz="800" dirty="0">
+                <a:effectLst/>
+                <a:latin typeface="Helvetica Neue" panose="02000503000000020004" pitchFamily="2" charset="0"/>
+                <a:ea typeface="PingFang SC" panose="020B0400000000000000" pitchFamily="34" charset="-122"/>
+              </a:rPr>
+              <a:t>”</a:t>
+            </a:r>
+            <a:r>
+              <a:rPr lang="zh-CN" altLang="en-US" sz="800" dirty="0">
+                <a:effectLst/>
+                <a:latin typeface="PingFang SC" panose="020B0400000000000000" pitchFamily="34" charset="-122"/>
+                <a:ea typeface="PingFang SC" panose="020B0400000000000000" pitchFamily="34" charset="-122"/>
+              </a:rPr>
+              <a:t>，普契尼心目中颤抖、情感和笑声三种情感的审美压倒</a:t>
+            </a:r>
+            <a:r>
+              <a:rPr lang="en-US" altLang="zh-CN" sz="800" dirty="0">
+                <a:effectLst/>
+                <a:latin typeface="Helvetica Neue" panose="02000503000000020004" pitchFamily="2" charset="0"/>
+                <a:ea typeface="PingFang SC" panose="020B0400000000000000" pitchFamily="34" charset="-122"/>
+              </a:rPr>
+              <a:t>——</a:t>
+            </a:r>
+            <a:r>
+              <a:rPr lang="zh-CN" altLang="en-US" sz="800" dirty="0">
+                <a:effectLst/>
+                <a:latin typeface="PingFang SC" panose="020B0400000000000000" pitchFamily="34" charset="-122"/>
+                <a:ea typeface="PingFang SC" panose="020B0400000000000000" pitchFamily="34" charset="-122"/>
+              </a:rPr>
+              <a:t>仅此而已。</a:t>
+            </a:r>
+            <a:endParaRPr lang="en-US" altLang="zh-CN" sz="800" dirty="0">
+              <a:effectLst/>
+              <a:latin typeface="PingFang SC" panose="020B0400000000000000" pitchFamily="34" charset="-122"/>
+              <a:ea typeface="PingFang SC" panose="020B0400000000000000" pitchFamily="34" charset="-122"/>
+            </a:endParaRPr>
+          </a:p>
+          <a:p>
+            <a:endParaRPr lang="en-US" altLang="zh-CN" sz="800" dirty="0">
+              <a:latin typeface="PingFang SC" panose="020B0400000000000000" pitchFamily="34" charset="-122"/>
+              <a:ea typeface="PingFang SC" panose="020B0400000000000000" pitchFamily="34" charset="-122"/>
+            </a:endParaRPr>
+          </a:p>
+          <a:p>
+            <a:pPr algn="l"/>
+            <a:r>
+              <a:rPr lang="zh-CN" altLang="en-US" sz="800" b="1" i="0" dirty="0">
+                <a:solidFill>
+                  <a:schemeClr val="tx2"/>
+                </a:solidFill>
+                <a:effectLst/>
+                <a:latin typeface="Söhne"/>
+              </a:rPr>
+              <a:t>阿克塞尔</a:t>
+            </a:r>
+            <a:r>
+              <a:rPr lang="en-US" altLang="zh-CN" sz="800" b="1" i="0" dirty="0">
+                <a:solidFill>
+                  <a:schemeClr val="tx2"/>
+                </a:solidFill>
+                <a:effectLst/>
+                <a:latin typeface="Söhne"/>
+              </a:rPr>
+              <a:t>·</a:t>
+            </a:r>
+            <a:r>
+              <a:rPr lang="zh-CN" altLang="en-US" sz="800" b="1" i="0" dirty="0">
+                <a:solidFill>
+                  <a:schemeClr val="tx2"/>
+                </a:solidFill>
+                <a:effectLst/>
+                <a:latin typeface="Söhne"/>
+              </a:rPr>
+              <a:t>拉尼施（</a:t>
+            </a:r>
+            <a:r>
+              <a:rPr lang="en-GB" sz="800" b="1" i="0" dirty="0">
+                <a:solidFill>
+                  <a:schemeClr val="tx2"/>
+                </a:solidFill>
+                <a:effectLst/>
+                <a:latin typeface="Söhne"/>
+              </a:rPr>
+              <a:t>Axel </a:t>
+            </a:r>
+            <a:r>
+              <a:rPr lang="en-GB" sz="800" b="1" i="0" dirty="0" err="1">
+                <a:solidFill>
+                  <a:schemeClr val="tx2"/>
+                </a:solidFill>
+                <a:effectLst/>
+                <a:latin typeface="Söhne"/>
+              </a:rPr>
+              <a:t>Ranisch</a:t>
+            </a:r>
+            <a:r>
+              <a:rPr lang="en-GB" sz="800" b="1" i="0" dirty="0">
+                <a:solidFill>
+                  <a:schemeClr val="tx2"/>
+                </a:solidFill>
+                <a:effectLst/>
+                <a:latin typeface="Söhne"/>
+              </a:rPr>
+              <a:t>）</a:t>
+            </a:r>
+            <a:r>
+              <a:rPr lang="zh-CN" altLang="en-US" sz="800" b="1" i="0" dirty="0">
+                <a:solidFill>
+                  <a:schemeClr val="tx2"/>
+                </a:solidFill>
+                <a:effectLst/>
+                <a:latin typeface="Söhne"/>
+              </a:rPr>
+              <a:t>谈论他导演</a:t>
+            </a:r>
+            <a:r>
+              <a:rPr lang="en-US" altLang="zh-CN" sz="800" b="1" i="0" dirty="0">
+                <a:solidFill>
+                  <a:schemeClr val="tx2"/>
+                </a:solidFill>
+                <a:effectLst/>
+                <a:latin typeface="Söhne"/>
+              </a:rPr>
+              <a:t>《</a:t>
+            </a:r>
+            <a:r>
+              <a:rPr lang="en-GB" sz="800" b="1" i="0" dirty="0">
+                <a:solidFill>
+                  <a:schemeClr val="tx2"/>
+                </a:solidFill>
+                <a:effectLst/>
+                <a:latin typeface="Söhne"/>
+              </a:rPr>
+              <a:t>Il </a:t>
+            </a:r>
+            <a:r>
+              <a:rPr lang="en-GB" sz="800" b="1" i="0" dirty="0" err="1">
+                <a:solidFill>
+                  <a:schemeClr val="tx2"/>
+                </a:solidFill>
+                <a:effectLst/>
+                <a:latin typeface="Söhne"/>
+              </a:rPr>
+              <a:t>tratico</a:t>
+            </a:r>
+            <a:r>
+              <a:rPr lang="en-GB" sz="800" b="1" i="0" dirty="0">
+                <a:solidFill>
+                  <a:schemeClr val="tx2"/>
+                </a:solidFill>
+                <a:effectLst/>
+                <a:latin typeface="Söhne"/>
+              </a:rPr>
+              <a:t>》</a:t>
+            </a:r>
+            <a:r>
+              <a:rPr lang="zh-CN" altLang="en-US" sz="800" b="1" i="0" dirty="0">
+                <a:solidFill>
+                  <a:schemeClr val="tx2"/>
+                </a:solidFill>
+                <a:effectLst/>
+                <a:latin typeface="Söhne"/>
+              </a:rPr>
+              <a:t>的工作时表示，他被这部作品所吸引，因为它充满了爱和乐趣。他描述了在歌剧院看到</a:t>
+            </a:r>
+            <a:r>
+              <a:rPr lang="en-US" altLang="zh-CN" sz="800" b="1" i="0" dirty="0">
+                <a:solidFill>
+                  <a:schemeClr val="tx2"/>
+                </a:solidFill>
+                <a:effectLst/>
+                <a:latin typeface="Söhne"/>
+              </a:rPr>
+              <a:t>《</a:t>
+            </a:r>
+            <a:r>
+              <a:rPr lang="en-GB" sz="800" b="1" i="0" dirty="0">
+                <a:solidFill>
+                  <a:schemeClr val="tx2"/>
+                </a:solidFill>
+                <a:effectLst/>
+                <a:latin typeface="Söhne"/>
+              </a:rPr>
+              <a:t>Il </a:t>
+            </a:r>
+            <a:r>
+              <a:rPr lang="en-GB" sz="800" b="1" i="0" dirty="0" err="1">
+                <a:solidFill>
+                  <a:schemeClr val="tx2"/>
+                </a:solidFill>
+                <a:effectLst/>
+                <a:latin typeface="Söhne"/>
+              </a:rPr>
+              <a:t>tratico</a:t>
+            </a:r>
+            <a:r>
+              <a:rPr lang="en-GB" sz="800" b="1" i="0" dirty="0">
+                <a:solidFill>
+                  <a:schemeClr val="tx2"/>
+                </a:solidFill>
+                <a:effectLst/>
+                <a:latin typeface="Söhne"/>
+              </a:rPr>
+              <a:t>》</a:t>
+            </a:r>
+            <a:r>
+              <a:rPr lang="zh-CN" altLang="en-US" sz="800" b="1" i="0" dirty="0">
+                <a:solidFill>
+                  <a:schemeClr val="tx2"/>
+                </a:solidFill>
+                <a:effectLst/>
+                <a:latin typeface="Söhne"/>
+              </a:rPr>
+              <a:t>时的激动心情，因为能够在一个晚上体验三部如此不同的作品让他神清气爽。他认为普契尼在这里达到了他艺术的顶峰，特别是</a:t>
+            </a:r>
+            <a:r>
+              <a:rPr lang="en-US" altLang="zh-CN" sz="800" b="1" i="0" dirty="0">
+                <a:solidFill>
+                  <a:schemeClr val="tx2"/>
+                </a:solidFill>
+                <a:effectLst/>
+                <a:latin typeface="Söhne"/>
+              </a:rPr>
+              <a:t>《</a:t>
+            </a:r>
+            <a:r>
+              <a:rPr lang="en-GB" sz="800" b="1" i="0" dirty="0" err="1">
+                <a:solidFill>
+                  <a:schemeClr val="tx2"/>
+                </a:solidFill>
+                <a:effectLst/>
+                <a:latin typeface="Söhne"/>
+              </a:rPr>
+              <a:t>Suar</a:t>
+            </a:r>
+            <a:r>
+              <a:rPr lang="en-GB" sz="800" b="1" i="0" dirty="0">
+                <a:solidFill>
+                  <a:schemeClr val="tx2"/>
+                </a:solidFill>
+                <a:effectLst/>
+                <a:latin typeface="Söhne"/>
+              </a:rPr>
+              <a:t> Angelica》</a:t>
+            </a:r>
+            <a:r>
+              <a:rPr lang="zh-CN" altLang="en-US" sz="800" b="1" i="0" dirty="0">
+                <a:solidFill>
+                  <a:schemeClr val="tx2"/>
+                </a:solidFill>
+                <a:effectLst/>
+                <a:latin typeface="Söhne"/>
+              </a:rPr>
+              <a:t>让他感到宏伟、强大且与众不同。他还称赞</a:t>
+            </a:r>
+            <a:r>
+              <a:rPr lang="en-US" altLang="zh-CN" sz="800" b="1" i="0" dirty="0">
+                <a:solidFill>
+                  <a:schemeClr val="tx2"/>
+                </a:solidFill>
+                <a:effectLst/>
+                <a:latin typeface="Söhne"/>
+              </a:rPr>
+              <a:t>《</a:t>
+            </a:r>
+            <a:r>
+              <a:rPr lang="en-GB" sz="800" b="1" i="0" dirty="0">
+                <a:solidFill>
+                  <a:schemeClr val="tx2"/>
+                </a:solidFill>
+                <a:effectLst/>
+                <a:latin typeface="Söhne"/>
+              </a:rPr>
+              <a:t>Gianni Schicchi》</a:t>
+            </a:r>
+            <a:r>
+              <a:rPr lang="zh-CN" altLang="en-US" sz="800" b="1" i="0" dirty="0">
+                <a:solidFill>
+                  <a:schemeClr val="tx2"/>
+                </a:solidFill>
+                <a:effectLst/>
+                <a:latin typeface="Söhne"/>
+              </a:rPr>
+              <a:t>是一部完美的怪诞喜剧，而</a:t>
+            </a:r>
+            <a:r>
+              <a:rPr lang="en-US" altLang="zh-CN" sz="800" b="1" i="0" dirty="0">
+                <a:solidFill>
+                  <a:schemeClr val="tx2"/>
+                </a:solidFill>
+                <a:effectLst/>
+                <a:latin typeface="Söhne"/>
+              </a:rPr>
+              <a:t>《</a:t>
+            </a:r>
+            <a:r>
+              <a:rPr lang="en-GB" sz="800" b="1" i="0" dirty="0">
+                <a:solidFill>
+                  <a:schemeClr val="tx2"/>
+                </a:solidFill>
+                <a:effectLst/>
+                <a:latin typeface="Söhne"/>
+              </a:rPr>
+              <a:t>Il </a:t>
+            </a:r>
+            <a:r>
+              <a:rPr lang="en-GB" sz="800" b="1" i="0" dirty="0" err="1">
+                <a:solidFill>
+                  <a:schemeClr val="tx2"/>
+                </a:solidFill>
+                <a:effectLst/>
+                <a:latin typeface="Söhne"/>
+              </a:rPr>
+              <a:t>tabarro</a:t>
+            </a:r>
+            <a:r>
+              <a:rPr lang="en-GB" sz="800" b="1" i="0" dirty="0">
+                <a:solidFill>
+                  <a:schemeClr val="tx2"/>
+                </a:solidFill>
+                <a:effectLst/>
+                <a:latin typeface="Söhne"/>
+              </a:rPr>
+              <a:t>》</a:t>
+            </a:r>
+            <a:r>
+              <a:rPr lang="zh-CN" altLang="en-US" sz="800" b="1" i="0" dirty="0">
+                <a:solidFill>
+                  <a:schemeClr val="tx2"/>
+                </a:solidFill>
+                <a:effectLst/>
+                <a:latin typeface="Söhne"/>
+              </a:rPr>
+              <a:t>则是一部伟大的意大利戏剧。</a:t>
+            </a:r>
+          </a:p>
+          <a:p>
+            <a:pPr algn="l"/>
+            <a:r>
+              <a:rPr lang="zh-CN" altLang="en-US" sz="800" b="1" i="0" dirty="0">
+                <a:solidFill>
+                  <a:schemeClr val="tx2"/>
+                </a:solidFill>
+                <a:effectLst/>
+                <a:latin typeface="Söhne"/>
+              </a:rPr>
+              <a:t>拉尼施指出，这三部作品发生在截然不同的时代：</a:t>
+            </a:r>
+            <a:r>
+              <a:rPr lang="en-US" altLang="zh-CN" sz="800" b="1" i="0" dirty="0">
+                <a:solidFill>
+                  <a:schemeClr val="tx2"/>
+                </a:solidFill>
+                <a:effectLst/>
+                <a:latin typeface="Söhne"/>
+              </a:rPr>
+              <a:t>《</a:t>
+            </a:r>
+            <a:r>
+              <a:rPr lang="en-GB" sz="800" b="1" i="0" dirty="0">
+                <a:solidFill>
+                  <a:schemeClr val="tx2"/>
+                </a:solidFill>
+                <a:effectLst/>
+                <a:latin typeface="Söhne"/>
+              </a:rPr>
+              <a:t>Il </a:t>
+            </a:r>
+            <a:r>
+              <a:rPr lang="en-GB" sz="800" b="1" i="0" dirty="0" err="1">
+                <a:solidFill>
+                  <a:schemeClr val="tx2"/>
+                </a:solidFill>
+                <a:effectLst/>
+                <a:latin typeface="Söhne"/>
+              </a:rPr>
+              <a:t>tabarro</a:t>
+            </a:r>
+            <a:r>
+              <a:rPr lang="en-GB" sz="800" b="1" i="0" dirty="0">
+                <a:solidFill>
+                  <a:schemeClr val="tx2"/>
+                </a:solidFill>
+                <a:effectLst/>
+                <a:latin typeface="Söhne"/>
+              </a:rPr>
+              <a:t>》</a:t>
+            </a:r>
+            <a:r>
+              <a:rPr lang="zh-CN" altLang="en-US" sz="800" b="1" i="0" dirty="0">
+                <a:solidFill>
+                  <a:schemeClr val="tx2"/>
+                </a:solidFill>
+                <a:effectLst/>
+                <a:latin typeface="Söhne"/>
+              </a:rPr>
+              <a:t>发生在当下，而</a:t>
+            </a:r>
+            <a:r>
+              <a:rPr lang="en-US" altLang="zh-CN" sz="800" b="1" i="0" dirty="0">
+                <a:solidFill>
+                  <a:schemeClr val="tx2"/>
+                </a:solidFill>
+                <a:effectLst/>
+                <a:latin typeface="Söhne"/>
+              </a:rPr>
+              <a:t>《</a:t>
+            </a:r>
+            <a:r>
+              <a:rPr lang="en-GB" sz="800" b="1" i="0" dirty="0">
+                <a:solidFill>
+                  <a:schemeClr val="tx2"/>
+                </a:solidFill>
+                <a:effectLst/>
+                <a:latin typeface="Söhne"/>
+              </a:rPr>
+              <a:t>Gianni Schicchi》</a:t>
+            </a:r>
+            <a:r>
+              <a:rPr lang="zh-CN" altLang="en-US" sz="800" b="1" i="0" dirty="0">
+                <a:solidFill>
+                  <a:schemeClr val="tx2"/>
+                </a:solidFill>
+                <a:effectLst/>
+                <a:latin typeface="Söhne"/>
+              </a:rPr>
+              <a:t>和</a:t>
+            </a:r>
+            <a:r>
+              <a:rPr lang="en-US" altLang="zh-CN" sz="800" b="1" i="0" dirty="0">
+                <a:solidFill>
+                  <a:schemeClr val="tx2"/>
+                </a:solidFill>
+                <a:effectLst/>
+                <a:latin typeface="Söhne"/>
+              </a:rPr>
+              <a:t>《</a:t>
+            </a:r>
+            <a:r>
+              <a:rPr lang="en-GB" sz="800" b="1" i="0" dirty="0" err="1">
+                <a:solidFill>
+                  <a:schemeClr val="tx2"/>
+                </a:solidFill>
+                <a:effectLst/>
+                <a:latin typeface="Söhne"/>
+              </a:rPr>
+              <a:t>Suor</a:t>
+            </a:r>
+            <a:r>
+              <a:rPr lang="en-GB" sz="800" b="1" i="0" dirty="0">
+                <a:solidFill>
+                  <a:schemeClr val="tx2"/>
+                </a:solidFill>
+                <a:effectLst/>
+                <a:latin typeface="Söhne"/>
+              </a:rPr>
+              <a:t> Angelica》</a:t>
+            </a:r>
+            <a:r>
+              <a:rPr lang="zh-CN" altLang="en-US" sz="800" b="1" i="0" dirty="0">
+                <a:solidFill>
+                  <a:schemeClr val="tx2"/>
+                </a:solidFill>
+                <a:effectLst/>
+                <a:latin typeface="Söhne"/>
+              </a:rPr>
+              <a:t>分别发生在</a:t>
+            </a:r>
+            <a:r>
+              <a:rPr lang="en-US" altLang="zh-CN" sz="800" b="1" i="0" dirty="0">
+                <a:solidFill>
+                  <a:schemeClr val="tx2"/>
+                </a:solidFill>
+                <a:effectLst/>
+                <a:latin typeface="Söhne"/>
+              </a:rPr>
+              <a:t>13</a:t>
+            </a:r>
+            <a:r>
+              <a:rPr lang="zh-CN" altLang="en-US" sz="800" b="1" i="0" dirty="0">
+                <a:solidFill>
+                  <a:schemeClr val="tx2"/>
+                </a:solidFill>
+                <a:effectLst/>
+                <a:latin typeface="Söhne"/>
+              </a:rPr>
+              <a:t>世纪和</a:t>
+            </a:r>
+            <a:r>
+              <a:rPr lang="en-US" altLang="zh-CN" sz="800" b="1" i="0" dirty="0">
+                <a:solidFill>
+                  <a:schemeClr val="tx2"/>
+                </a:solidFill>
+                <a:effectLst/>
+                <a:latin typeface="Söhne"/>
+              </a:rPr>
+              <a:t>17</a:t>
+            </a:r>
+            <a:r>
+              <a:rPr lang="zh-CN" altLang="en-US" sz="800" b="1" i="0" dirty="0">
+                <a:solidFill>
+                  <a:schemeClr val="tx2"/>
+                </a:solidFill>
+                <a:effectLst/>
+                <a:latin typeface="Söhne"/>
+              </a:rPr>
+              <a:t>世纪。他认为这三部作品之间有情感戏剧性的共通点，都是从阴郁和绝望开始，最终通向救赎和喜剧的光明之路。他提到这三部作品都遵循相似的模式，即以人物和人物的大杂烩开始，然后逐渐关注实际的戏剧，即主要冲突，并不断升级。</a:t>
+            </a:r>
+          </a:p>
+          <a:p>
+            <a:pPr algn="l"/>
+            <a:r>
+              <a:rPr lang="zh-CN" altLang="en-US" sz="800" b="1" i="0" dirty="0">
+                <a:solidFill>
+                  <a:schemeClr val="tx2"/>
+                </a:solidFill>
+                <a:effectLst/>
+                <a:latin typeface="Söhne"/>
+              </a:rPr>
+              <a:t>在导演这个作品时，拉尼施解释说，他们创建了一个将三部作品相互连接的框架，通过某些角色的双重演员来实现。他强调了每个部分都应该保持其独立性，但它们在框架内相互联系。他还提到了在排练中对每个角色的敏感度，甚至是对看似消极角色的理解和关注，试图理解他们的动机和背景。</a:t>
+            </a:r>
+          </a:p>
+          <a:p>
+            <a:pPr algn="l"/>
+            <a:r>
+              <a:rPr lang="zh-CN" altLang="en-US" sz="800" b="1" i="0" dirty="0">
+                <a:solidFill>
+                  <a:schemeClr val="tx2"/>
+                </a:solidFill>
+                <a:effectLst/>
+                <a:latin typeface="Söhne"/>
+              </a:rPr>
+              <a:t>在回答关于是否有坏人的问题时，拉尼施表示，他对这些角色作为人而不是恶棍感兴趣，即使一个角色做了坏事或变得暴力，他也会寻找原因。他认为每个角色都有自己的包袱和原因，了解这些角色是非常有趣的。</a:t>
+            </a:r>
+          </a:p>
+          <a:p>
+            <a:endParaRPr lang="zh-CN" altLang="en-US" sz="800" dirty="0">
+              <a:effectLst/>
+              <a:latin typeface="PingFang SC" panose="020B0400000000000000" pitchFamily="34" charset="-122"/>
+              <a:ea typeface="PingFang SC" panose="020B0400000000000000" pitchFamily="34" charset="-122"/>
+            </a:endParaRPr>
+          </a:p>
+        </p:txBody>
+      </p:sp>
+    </p:spTree>
+    <p:extLst>
+      <p:ext uri="{BB962C8B-B14F-4D97-AF65-F5344CB8AC3E}">
+        <p14:creationId xmlns:p14="http://schemas.microsoft.com/office/powerpoint/2010/main" val="1652705882"/>
       </p:ext>
     </p:extLst>
   </p:cSld>
